--- a/TonoJit/@Doc/Jit Model Class Design.pptx
+++ b/TonoJit/@Doc/Jit Model Class Design.pptx
@@ -259,7 +259,7 @@
           <a:p>
             <a:fld id="{2A76511F-EB6F-49BF-8568-06D4416883FE}" type="datetimeFigureOut">
               <a:rPr kumimoji="1" lang="ja-JP" altLang="en-US" smtClean="0"/>
-              <a:t>2020/1/30</a:t>
+              <a:t>2020/2/5</a:t>
             </a:fld>
             <a:endParaRPr kumimoji="1" lang="ja-JP" altLang="en-US"/>
           </a:p>
@@ -489,7 +489,7 @@
           <a:p>
             <a:fld id="{2A76511F-EB6F-49BF-8568-06D4416883FE}" type="datetimeFigureOut">
               <a:rPr kumimoji="1" lang="ja-JP" altLang="en-US" smtClean="0"/>
-              <a:t>2020/1/30</a:t>
+              <a:t>2020/2/5</a:t>
             </a:fld>
             <a:endParaRPr kumimoji="1" lang="ja-JP" altLang="en-US"/>
           </a:p>
@@ -729,7 +729,7 @@
           <a:p>
             <a:fld id="{2A76511F-EB6F-49BF-8568-06D4416883FE}" type="datetimeFigureOut">
               <a:rPr kumimoji="1" lang="ja-JP" altLang="en-US" smtClean="0"/>
-              <a:t>2020/1/30</a:t>
+              <a:t>2020/2/5</a:t>
             </a:fld>
             <a:endParaRPr kumimoji="1" lang="ja-JP" altLang="en-US"/>
           </a:p>
@@ -959,7 +959,7 @@
           <a:p>
             <a:fld id="{2A76511F-EB6F-49BF-8568-06D4416883FE}" type="datetimeFigureOut">
               <a:rPr kumimoji="1" lang="ja-JP" altLang="en-US" smtClean="0"/>
-              <a:t>2020/1/30</a:t>
+              <a:t>2020/2/5</a:t>
             </a:fld>
             <a:endParaRPr kumimoji="1" lang="ja-JP" altLang="en-US"/>
           </a:p>
@@ -1234,7 +1234,7 @@
           <a:p>
             <a:fld id="{2A76511F-EB6F-49BF-8568-06D4416883FE}" type="datetimeFigureOut">
               <a:rPr kumimoji="1" lang="ja-JP" altLang="en-US" smtClean="0"/>
-              <a:t>2020/1/30</a:t>
+              <a:t>2020/2/5</a:t>
             </a:fld>
             <a:endParaRPr kumimoji="1" lang="ja-JP" altLang="en-US"/>
           </a:p>
@@ -1563,7 +1563,7 @@
           <a:p>
             <a:fld id="{2A76511F-EB6F-49BF-8568-06D4416883FE}" type="datetimeFigureOut">
               <a:rPr kumimoji="1" lang="ja-JP" altLang="en-US" smtClean="0"/>
-              <a:t>2020/1/30</a:t>
+              <a:t>2020/2/5</a:t>
             </a:fld>
             <a:endParaRPr kumimoji="1" lang="ja-JP" altLang="en-US"/>
           </a:p>
@@ -2039,7 +2039,7 @@
           <a:p>
             <a:fld id="{2A76511F-EB6F-49BF-8568-06D4416883FE}" type="datetimeFigureOut">
               <a:rPr kumimoji="1" lang="ja-JP" altLang="en-US" smtClean="0"/>
-              <a:t>2020/1/30</a:t>
+              <a:t>2020/2/5</a:t>
             </a:fld>
             <a:endParaRPr kumimoji="1" lang="ja-JP" altLang="en-US"/>
           </a:p>
@@ -2180,7 +2180,7 @@
           <a:p>
             <a:fld id="{2A76511F-EB6F-49BF-8568-06D4416883FE}" type="datetimeFigureOut">
               <a:rPr kumimoji="1" lang="ja-JP" altLang="en-US" smtClean="0"/>
-              <a:t>2020/1/30</a:t>
+              <a:t>2020/2/5</a:t>
             </a:fld>
             <a:endParaRPr kumimoji="1" lang="ja-JP" altLang="en-US"/>
           </a:p>
@@ -2293,7 +2293,7 @@
           <a:p>
             <a:fld id="{2A76511F-EB6F-49BF-8568-06D4416883FE}" type="datetimeFigureOut">
               <a:rPr kumimoji="1" lang="ja-JP" altLang="en-US" smtClean="0"/>
-              <a:t>2020/1/30</a:t>
+              <a:t>2020/2/5</a:t>
             </a:fld>
             <a:endParaRPr kumimoji="1" lang="ja-JP" altLang="en-US"/>
           </a:p>
@@ -2636,7 +2636,7 @@
           <a:p>
             <a:fld id="{2A76511F-EB6F-49BF-8568-06D4416883FE}" type="datetimeFigureOut">
               <a:rPr kumimoji="1" lang="ja-JP" altLang="en-US" smtClean="0"/>
-              <a:t>2020/1/30</a:t>
+              <a:t>2020/2/5</a:t>
             </a:fld>
             <a:endParaRPr kumimoji="1" lang="ja-JP" altLang="en-US"/>
           </a:p>
@@ -2924,7 +2924,7 @@
           <a:p>
             <a:fld id="{2A76511F-EB6F-49BF-8568-06D4416883FE}" type="datetimeFigureOut">
               <a:rPr kumimoji="1" lang="ja-JP" altLang="en-US" smtClean="0"/>
-              <a:t>2020/1/30</a:t>
+              <a:t>2020/2/5</a:t>
             </a:fld>
             <a:endParaRPr kumimoji="1" lang="ja-JP" altLang="en-US"/>
           </a:p>
@@ -3197,7 +3197,7 @@
           <a:p>
             <a:fld id="{2A76511F-EB6F-49BF-8568-06D4416883FE}" type="datetimeFigureOut">
               <a:rPr kumimoji="1" lang="ja-JP" altLang="en-US" smtClean="0"/>
-              <a:t>2020/1/30</a:t>
+              <a:t>2020/2/5</a:t>
             </a:fld>
             <a:endParaRPr kumimoji="1" lang="ja-JP" altLang="en-US"/>
           </a:p>
@@ -4193,7 +4193,27 @@
                   </a:schemeClr>
                 </a:solidFill>
               </a:rPr>
-              <a:t>Stage</a:t>
+              <a:t>StageSubset</a:t>
+            </a:r>
+            <a:r>
+              <a:rPr kumimoji="1" lang="ja-JP" altLang="en-US" b="1" u="sng">
+                <a:solidFill>
+                  <a:schemeClr val="accent4">
+                    <a:lumMod val="75000"/>
+                  </a:schemeClr>
+                </a:solidFill>
+              </a:rPr>
+              <a:t>：</a:t>
+            </a:r>
+            <a:r>
+              <a:rPr kumimoji="1" lang="en-US" altLang="ja-JP" b="1" u="sng">
+                <a:solidFill>
+                  <a:schemeClr val="accent4">
+                    <a:lumMod val="75000"/>
+                  </a:schemeClr>
+                </a:solidFill>
+              </a:rPr>
+              <a:t>X</a:t>
             </a:r>
           </a:p>
         </p:txBody>

--- a/TonoJit/@Doc/Jit Model Class Design.pptx
+++ b/TonoJit/@Doc/Jit Model Class Design.pptx
@@ -5,7 +5,8 @@
     <p:sldMasterId id="2147483648" r:id="rId1"/>
   </p:sldMasterIdLst>
   <p:sldIdLst>
-    <p:sldId id="256" r:id="rId2"/>
+    <p:sldId id="257" r:id="rId2"/>
+    <p:sldId id="256" r:id="rId3"/>
   </p:sldIdLst>
   <p:sldSz cx="12192000" cy="6858000"/>
   <p:notesSz cx="6858000" cy="9144000"/>
@@ -259,7 +260,7 @@
           <a:p>
             <a:fld id="{2A76511F-EB6F-49BF-8568-06D4416883FE}" type="datetimeFigureOut">
               <a:rPr kumimoji="1" lang="ja-JP" altLang="en-US" smtClean="0"/>
-              <a:t>2020/2/5</a:t>
+              <a:t>2020/2/10</a:t>
             </a:fld>
             <a:endParaRPr kumimoji="1" lang="ja-JP" altLang="en-US"/>
           </a:p>
@@ -489,7 +490,7 @@
           <a:p>
             <a:fld id="{2A76511F-EB6F-49BF-8568-06D4416883FE}" type="datetimeFigureOut">
               <a:rPr kumimoji="1" lang="ja-JP" altLang="en-US" smtClean="0"/>
-              <a:t>2020/2/5</a:t>
+              <a:t>2020/2/10</a:t>
             </a:fld>
             <a:endParaRPr kumimoji="1" lang="ja-JP" altLang="en-US"/>
           </a:p>
@@ -729,7 +730,7 @@
           <a:p>
             <a:fld id="{2A76511F-EB6F-49BF-8568-06D4416883FE}" type="datetimeFigureOut">
               <a:rPr kumimoji="1" lang="ja-JP" altLang="en-US" smtClean="0"/>
-              <a:t>2020/2/5</a:t>
+              <a:t>2020/2/10</a:t>
             </a:fld>
             <a:endParaRPr kumimoji="1" lang="ja-JP" altLang="en-US"/>
           </a:p>
@@ -959,7 +960,7 @@
           <a:p>
             <a:fld id="{2A76511F-EB6F-49BF-8568-06D4416883FE}" type="datetimeFigureOut">
               <a:rPr kumimoji="1" lang="ja-JP" altLang="en-US" smtClean="0"/>
-              <a:t>2020/2/5</a:t>
+              <a:t>2020/2/10</a:t>
             </a:fld>
             <a:endParaRPr kumimoji="1" lang="ja-JP" altLang="en-US"/>
           </a:p>
@@ -1234,7 +1235,7 @@
           <a:p>
             <a:fld id="{2A76511F-EB6F-49BF-8568-06D4416883FE}" type="datetimeFigureOut">
               <a:rPr kumimoji="1" lang="ja-JP" altLang="en-US" smtClean="0"/>
-              <a:t>2020/2/5</a:t>
+              <a:t>2020/2/10</a:t>
             </a:fld>
             <a:endParaRPr kumimoji="1" lang="ja-JP" altLang="en-US"/>
           </a:p>
@@ -1563,7 +1564,7 @@
           <a:p>
             <a:fld id="{2A76511F-EB6F-49BF-8568-06D4416883FE}" type="datetimeFigureOut">
               <a:rPr kumimoji="1" lang="ja-JP" altLang="en-US" smtClean="0"/>
-              <a:t>2020/2/5</a:t>
+              <a:t>2020/2/10</a:t>
             </a:fld>
             <a:endParaRPr kumimoji="1" lang="ja-JP" altLang="en-US"/>
           </a:p>
@@ -2039,7 +2040,7 @@
           <a:p>
             <a:fld id="{2A76511F-EB6F-49BF-8568-06D4416883FE}" type="datetimeFigureOut">
               <a:rPr kumimoji="1" lang="ja-JP" altLang="en-US" smtClean="0"/>
-              <a:t>2020/2/5</a:t>
+              <a:t>2020/2/10</a:t>
             </a:fld>
             <a:endParaRPr kumimoji="1" lang="ja-JP" altLang="en-US"/>
           </a:p>
@@ -2180,7 +2181,7 @@
           <a:p>
             <a:fld id="{2A76511F-EB6F-49BF-8568-06D4416883FE}" type="datetimeFigureOut">
               <a:rPr kumimoji="1" lang="ja-JP" altLang="en-US" smtClean="0"/>
-              <a:t>2020/2/5</a:t>
+              <a:t>2020/2/10</a:t>
             </a:fld>
             <a:endParaRPr kumimoji="1" lang="ja-JP" altLang="en-US"/>
           </a:p>
@@ -2293,7 +2294,7 @@
           <a:p>
             <a:fld id="{2A76511F-EB6F-49BF-8568-06D4416883FE}" type="datetimeFigureOut">
               <a:rPr kumimoji="1" lang="ja-JP" altLang="en-US" smtClean="0"/>
-              <a:t>2020/2/5</a:t>
+              <a:t>2020/2/10</a:t>
             </a:fld>
             <a:endParaRPr kumimoji="1" lang="ja-JP" altLang="en-US"/>
           </a:p>
@@ -2636,7 +2637,7 @@
           <a:p>
             <a:fld id="{2A76511F-EB6F-49BF-8568-06D4416883FE}" type="datetimeFigureOut">
               <a:rPr kumimoji="1" lang="ja-JP" altLang="en-US" smtClean="0"/>
-              <a:t>2020/2/5</a:t>
+              <a:t>2020/2/10</a:t>
             </a:fld>
             <a:endParaRPr kumimoji="1" lang="ja-JP" altLang="en-US"/>
           </a:p>
@@ -2924,7 +2925,7 @@
           <a:p>
             <a:fld id="{2A76511F-EB6F-49BF-8568-06D4416883FE}" type="datetimeFigureOut">
               <a:rPr kumimoji="1" lang="ja-JP" altLang="en-US" smtClean="0"/>
-              <a:t>2020/2/5</a:t>
+              <a:t>2020/2/10</a:t>
             </a:fld>
             <a:endParaRPr kumimoji="1" lang="ja-JP" altLang="en-US"/>
           </a:p>
@@ -3197,7 +3198,7 @@
           <a:p>
             <a:fld id="{2A76511F-EB6F-49BF-8568-06D4416883FE}" type="datetimeFigureOut">
               <a:rPr kumimoji="1" lang="ja-JP" altLang="en-US" smtClean="0"/>
-              <a:t>2020/2/5</a:t>
+              <a:t>2020/2/10</a:t>
             </a:fld>
             <a:endParaRPr kumimoji="1" lang="ja-JP" altLang="en-US"/>
           </a:p>
@@ -3616,6 +3617,1957 @@
       </p:grpSpPr>
       <p:sp>
         <p:nvSpPr>
+          <p:cNvPr id="78" name="四角形: 角を丸くする 77">
+            <a:extLst>
+              <a:ext uri="{FF2B5EF4-FFF2-40B4-BE49-F238E27FC236}">
+                <a16:creationId xmlns:a16="http://schemas.microsoft.com/office/drawing/2014/main" id="{938CDCA5-8B7E-44E6-9C82-F956B4C67E2C}"/>
+              </a:ext>
+            </a:extLst>
+          </p:cNvPr>
+          <p:cNvSpPr/>
+          <p:nvPr/>
+        </p:nvSpPr>
+        <p:spPr>
+          <a:xfrm>
+            <a:off x="1371600" y="1136655"/>
+            <a:ext cx="5723468" cy="2722033"/>
+          </a:xfrm>
+          <a:prstGeom prst="roundRect">
+            <a:avLst/>
+          </a:prstGeom>
+          <a:noFill/>
+        </p:spPr>
+        <p:style>
+          <a:lnRef idx="2">
+            <a:schemeClr val="accent4">
+              <a:shade val="50000"/>
+            </a:schemeClr>
+          </a:lnRef>
+          <a:fillRef idx="1">
+            <a:schemeClr val="accent4"/>
+          </a:fillRef>
+          <a:effectRef idx="0">
+            <a:schemeClr val="accent4"/>
+          </a:effectRef>
+          <a:fontRef idx="minor">
+            <a:schemeClr val="lt1"/>
+          </a:fontRef>
+        </p:style>
+        <p:txBody>
+          <a:bodyPr rtlCol="0" anchor="t" anchorCtr="0"/>
+          <a:lstStyle/>
+          <a:p>
+            <a:pPr algn="ctr"/>
+            <a:r>
+              <a:rPr kumimoji="1" lang="en-US" altLang="ja-JP" b="1" u="sng">
+                <a:solidFill>
+                  <a:schemeClr val="accent4">
+                    <a:lumMod val="75000"/>
+                  </a:schemeClr>
+                </a:solidFill>
+              </a:rPr>
+              <a:t>StageSubset</a:t>
+            </a:r>
+            <a:r>
+              <a:rPr kumimoji="1" lang="ja-JP" altLang="en-US" b="1" u="sng">
+                <a:solidFill>
+                  <a:schemeClr val="accent4">
+                    <a:lumMod val="75000"/>
+                  </a:schemeClr>
+                </a:solidFill>
+              </a:rPr>
+              <a:t>：</a:t>
+            </a:r>
+            <a:r>
+              <a:rPr kumimoji="1" lang="en-US" altLang="ja-JP" b="1" u="sng">
+                <a:solidFill>
+                  <a:schemeClr val="accent4">
+                    <a:lumMod val="75000"/>
+                  </a:schemeClr>
+                </a:solidFill>
+              </a:rPr>
+              <a:t>X</a:t>
+            </a:r>
+          </a:p>
+        </p:txBody>
+      </p:sp>
+      <p:sp>
+        <p:nvSpPr>
+          <p:cNvPr id="79" name="正方形/長方形 78">
+            <a:extLst>
+              <a:ext uri="{FF2B5EF4-FFF2-40B4-BE49-F238E27FC236}">
+                <a16:creationId xmlns:a16="http://schemas.microsoft.com/office/drawing/2014/main" id="{33C9F47A-A31E-4CBC-A0F5-CD49B7A484CA}"/>
+              </a:ext>
+            </a:extLst>
+          </p:cNvPr>
+          <p:cNvSpPr/>
+          <p:nvPr/>
+        </p:nvSpPr>
+        <p:spPr>
+          <a:xfrm>
+            <a:off x="1886861" y="1748435"/>
+            <a:ext cx="1038682" cy="1038682"/>
+          </a:xfrm>
+          <a:prstGeom prst="rect">
+            <a:avLst/>
+          </a:prstGeom>
+          <a:noFill/>
+          <a:ln w="57150">
+            <a:solidFill>
+              <a:srgbClr val="FF0000"/>
+            </a:solidFill>
+          </a:ln>
+        </p:spPr>
+        <p:style>
+          <a:lnRef idx="2">
+            <a:schemeClr val="accent1">
+              <a:shade val="50000"/>
+            </a:schemeClr>
+          </a:lnRef>
+          <a:fillRef idx="1">
+            <a:schemeClr val="accent1"/>
+          </a:fillRef>
+          <a:effectRef idx="0">
+            <a:schemeClr val="accent1"/>
+          </a:effectRef>
+          <a:fontRef idx="minor">
+            <a:schemeClr val="lt1"/>
+          </a:fontRef>
+        </p:style>
+        <p:txBody>
+          <a:bodyPr rtlCol="0" anchor="t" anchorCtr="0"/>
+          <a:lstStyle/>
+          <a:p>
+            <a:pPr algn="ctr"/>
+            <a:r>
+              <a:rPr lang="en-US" altLang="ja-JP">
+                <a:solidFill>
+                  <a:srgbClr val="FF0000"/>
+                </a:solidFill>
+              </a:rPr>
+              <a:t>Process</a:t>
+            </a:r>
+          </a:p>
+          <a:p>
+            <a:pPr algn="ctr"/>
+            <a:r>
+              <a:rPr kumimoji="1" lang="en-US" altLang="ja-JP">
+                <a:solidFill>
+                  <a:srgbClr val="FF0000"/>
+                </a:solidFill>
+              </a:rPr>
+              <a:t>A</a:t>
+            </a:r>
+            <a:endParaRPr kumimoji="1" lang="ja-JP" altLang="en-US">
+              <a:solidFill>
+                <a:srgbClr val="FF0000"/>
+              </a:solidFill>
+            </a:endParaRPr>
+          </a:p>
+        </p:txBody>
+      </p:sp>
+      <p:sp>
+        <p:nvSpPr>
+          <p:cNvPr id="80" name="正方形/長方形 79">
+            <a:extLst>
+              <a:ext uri="{FF2B5EF4-FFF2-40B4-BE49-F238E27FC236}">
+                <a16:creationId xmlns:a16="http://schemas.microsoft.com/office/drawing/2014/main" id="{4F952B83-D103-47FC-AF3D-C598DFD90F02}"/>
+              </a:ext>
+            </a:extLst>
+          </p:cNvPr>
+          <p:cNvSpPr/>
+          <p:nvPr/>
+        </p:nvSpPr>
+        <p:spPr>
+          <a:xfrm>
+            <a:off x="3465013" y="1748435"/>
+            <a:ext cx="1038682" cy="1038682"/>
+          </a:xfrm>
+          <a:prstGeom prst="rect">
+            <a:avLst/>
+          </a:prstGeom>
+          <a:noFill/>
+          <a:ln w="57150">
+            <a:solidFill>
+              <a:srgbClr val="FF0000"/>
+            </a:solidFill>
+          </a:ln>
+        </p:spPr>
+        <p:style>
+          <a:lnRef idx="2">
+            <a:schemeClr val="accent1">
+              <a:shade val="50000"/>
+            </a:schemeClr>
+          </a:lnRef>
+          <a:fillRef idx="1">
+            <a:schemeClr val="accent1"/>
+          </a:fillRef>
+          <a:effectRef idx="0">
+            <a:schemeClr val="accent1"/>
+          </a:effectRef>
+          <a:fontRef idx="minor">
+            <a:schemeClr val="lt1"/>
+          </a:fontRef>
+        </p:style>
+        <p:txBody>
+          <a:bodyPr rtlCol="0" anchor="t" anchorCtr="0"/>
+          <a:lstStyle/>
+          <a:p>
+            <a:pPr algn="ctr"/>
+            <a:r>
+              <a:rPr lang="en-US" altLang="ja-JP">
+                <a:solidFill>
+                  <a:srgbClr val="FF0000"/>
+                </a:solidFill>
+              </a:rPr>
+              <a:t>Process</a:t>
+            </a:r>
+          </a:p>
+          <a:p>
+            <a:pPr algn="ctr"/>
+            <a:r>
+              <a:rPr kumimoji="1" lang="en-US" altLang="ja-JP">
+                <a:solidFill>
+                  <a:srgbClr val="FF0000"/>
+                </a:solidFill>
+              </a:rPr>
+              <a:t>B</a:t>
+            </a:r>
+            <a:endParaRPr kumimoji="1" lang="ja-JP" altLang="en-US">
+              <a:solidFill>
+                <a:srgbClr val="FF0000"/>
+              </a:solidFill>
+            </a:endParaRPr>
+          </a:p>
+        </p:txBody>
+      </p:sp>
+      <p:cxnSp>
+        <p:nvCxnSpPr>
+          <p:cNvPr id="81" name="直線矢印コネクタ 80">
+            <a:extLst>
+              <a:ext uri="{FF2B5EF4-FFF2-40B4-BE49-F238E27FC236}">
+                <a16:creationId xmlns:a16="http://schemas.microsoft.com/office/drawing/2014/main" id="{898E728C-CAC9-426C-8433-7A1C1ECCAB89}"/>
+              </a:ext>
+            </a:extLst>
+          </p:cNvPr>
+          <p:cNvCxnSpPr>
+            <a:stCxn id="79" idx="3"/>
+            <a:endCxn id="80" idx="1"/>
+          </p:cNvCxnSpPr>
+          <p:nvPr/>
+        </p:nvCxnSpPr>
+        <p:spPr>
+          <a:xfrm>
+            <a:off x="2925543" y="2267776"/>
+            <a:ext cx="539470" cy="0"/>
+          </a:xfrm>
+          <a:prstGeom prst="straightConnector1">
+            <a:avLst/>
+          </a:prstGeom>
+          <a:ln w="38100">
+            <a:solidFill>
+              <a:srgbClr val="00B050"/>
+            </a:solidFill>
+            <a:headEnd type="none" w="med" len="med"/>
+            <a:tailEnd type="arrow" w="med" len="med"/>
+          </a:ln>
+        </p:spPr>
+        <p:style>
+          <a:lnRef idx="1">
+            <a:schemeClr val="accent1"/>
+          </a:lnRef>
+          <a:fillRef idx="0">
+            <a:schemeClr val="accent1"/>
+          </a:fillRef>
+          <a:effectRef idx="0">
+            <a:schemeClr val="accent1"/>
+          </a:effectRef>
+          <a:fontRef idx="minor">
+            <a:schemeClr val="tx1"/>
+          </a:fontRef>
+        </p:style>
+      </p:cxnSp>
+      <p:sp>
+        <p:nvSpPr>
+          <p:cNvPr id="83" name="テキスト ボックス 82">
+            <a:extLst>
+              <a:ext uri="{FF2B5EF4-FFF2-40B4-BE49-F238E27FC236}">
+                <a16:creationId xmlns:a16="http://schemas.microsoft.com/office/drawing/2014/main" id="{E7D4B050-A0BB-4FEF-B83B-3C836968B9B0}"/>
+              </a:ext>
+            </a:extLst>
+          </p:cNvPr>
+          <p:cNvSpPr txBox="1"/>
+          <p:nvPr/>
+        </p:nvSpPr>
+        <p:spPr>
+          <a:xfrm>
+            <a:off x="3653751" y="744397"/>
+            <a:ext cx="1459054" cy="276999"/>
+          </a:xfrm>
+          <a:prstGeom prst="rect">
+            <a:avLst/>
+          </a:prstGeom>
+          <a:noFill/>
+        </p:spPr>
+        <p:txBody>
+          <a:bodyPr wrap="none" rtlCol="0">
+            <a:spAutoFit/>
+          </a:bodyPr>
+          <a:lstStyle/>
+          <a:p>
+            <a:r>
+              <a:rPr kumimoji="1" lang="en-US" altLang="ja-JP" sz="1200">
+                <a:solidFill>
+                  <a:srgbClr val="FF0000"/>
+                </a:solidFill>
+              </a:rPr>
+              <a:t>Default Push Link</a:t>
+            </a:r>
+            <a:endParaRPr kumimoji="1" lang="ja-JP" altLang="en-US" sz="1200">
+              <a:solidFill>
+                <a:srgbClr val="FF0000"/>
+              </a:solidFill>
+            </a:endParaRPr>
+          </a:p>
+        </p:txBody>
+      </p:sp>
+      <p:cxnSp>
+        <p:nvCxnSpPr>
+          <p:cNvPr id="84" name="直線コネクタ 83">
+            <a:extLst>
+              <a:ext uri="{FF2B5EF4-FFF2-40B4-BE49-F238E27FC236}">
+                <a16:creationId xmlns:a16="http://schemas.microsoft.com/office/drawing/2014/main" id="{55B9FA70-D8FC-4050-8832-64F5E1FF96D6}"/>
+              </a:ext>
+            </a:extLst>
+          </p:cNvPr>
+          <p:cNvCxnSpPr>
+            <a:cxnSpLocks/>
+          </p:cNvCxnSpPr>
+          <p:nvPr/>
+        </p:nvCxnSpPr>
+        <p:spPr>
+          <a:xfrm flipV="1">
+            <a:off x="3141133" y="971556"/>
+            <a:ext cx="1238250" cy="1276350"/>
+          </a:xfrm>
+          <a:prstGeom prst="line">
+            <a:avLst/>
+          </a:prstGeom>
+          <a:ln>
+            <a:solidFill>
+              <a:srgbClr val="FFC000"/>
+            </a:solidFill>
+          </a:ln>
+        </p:spPr>
+        <p:style>
+          <a:lnRef idx="1">
+            <a:schemeClr val="accent1"/>
+          </a:lnRef>
+          <a:fillRef idx="0">
+            <a:schemeClr val="accent1"/>
+          </a:fillRef>
+          <a:effectRef idx="0">
+            <a:schemeClr val="accent1"/>
+          </a:effectRef>
+          <a:fontRef idx="minor">
+            <a:schemeClr val="tx1"/>
+          </a:fontRef>
+        </p:style>
+      </p:cxnSp>
+      <p:sp>
+        <p:nvSpPr>
+          <p:cNvPr id="45" name="テキスト ボックス 44">
+            <a:extLst>
+              <a:ext uri="{FF2B5EF4-FFF2-40B4-BE49-F238E27FC236}">
+                <a16:creationId xmlns:a16="http://schemas.microsoft.com/office/drawing/2014/main" id="{5EDCDD5B-66CC-44DC-8AE0-1C46373D7AA9}"/>
+              </a:ext>
+            </a:extLst>
+          </p:cNvPr>
+          <p:cNvSpPr txBox="1"/>
+          <p:nvPr/>
+        </p:nvSpPr>
+        <p:spPr>
+          <a:xfrm>
+            <a:off x="5141645" y="2109406"/>
+            <a:ext cx="1274708" cy="276999"/>
+          </a:xfrm>
+          <a:prstGeom prst="rect">
+            <a:avLst/>
+          </a:prstGeom>
+          <a:noFill/>
+        </p:spPr>
+        <p:txBody>
+          <a:bodyPr wrap="none" rtlCol="0">
+            <a:spAutoFit/>
+          </a:bodyPr>
+          <a:lstStyle/>
+          <a:p>
+            <a:r>
+              <a:rPr kumimoji="1" lang="en-US" altLang="ja-JP" sz="1200">
+                <a:solidFill>
+                  <a:srgbClr val="FF0000"/>
+                </a:solidFill>
+              </a:rPr>
+              <a:t>ExitProcess</a:t>
+            </a:r>
+            <a:r>
+              <a:rPr kumimoji="1" lang="ja-JP" altLang="en-US" sz="1200">
+                <a:solidFill>
+                  <a:srgbClr val="FF0000"/>
+                </a:solidFill>
+              </a:rPr>
+              <a:t>＝</a:t>
+            </a:r>
+            <a:r>
+              <a:rPr kumimoji="1" lang="en-US" altLang="ja-JP" sz="1200">
+                <a:solidFill>
+                  <a:srgbClr val="FF0000"/>
+                </a:solidFill>
+              </a:rPr>
+              <a:t>B</a:t>
+            </a:r>
+            <a:endParaRPr kumimoji="1" lang="ja-JP" altLang="en-US" sz="1200">
+              <a:solidFill>
+                <a:srgbClr val="FF0000"/>
+              </a:solidFill>
+            </a:endParaRPr>
+          </a:p>
+        </p:txBody>
+      </p:sp>
+      <p:sp>
+        <p:nvSpPr>
+          <p:cNvPr id="47" name="テキスト ボックス 46">
+            <a:extLst>
+              <a:ext uri="{FF2B5EF4-FFF2-40B4-BE49-F238E27FC236}">
+                <a16:creationId xmlns:a16="http://schemas.microsoft.com/office/drawing/2014/main" id="{AF7F2382-355F-43C7-AA32-7B6FB078FF50}"/>
+              </a:ext>
+            </a:extLst>
+          </p:cNvPr>
+          <p:cNvSpPr txBox="1"/>
+          <p:nvPr/>
+        </p:nvSpPr>
+        <p:spPr>
+          <a:xfrm>
+            <a:off x="343317" y="2109406"/>
+            <a:ext cx="1391728" cy="276999"/>
+          </a:xfrm>
+          <a:prstGeom prst="rect">
+            <a:avLst/>
+          </a:prstGeom>
+          <a:noFill/>
+        </p:spPr>
+        <p:txBody>
+          <a:bodyPr wrap="none" rtlCol="0">
+            <a:spAutoFit/>
+          </a:bodyPr>
+          <a:lstStyle/>
+          <a:p>
+            <a:r>
+              <a:rPr kumimoji="1" lang="en-US" altLang="ja-JP" sz="1200">
+                <a:solidFill>
+                  <a:srgbClr val="FF0000"/>
+                </a:solidFill>
+              </a:rPr>
+              <a:t>EnterProcess</a:t>
+            </a:r>
+            <a:r>
+              <a:rPr kumimoji="1" lang="ja-JP" altLang="en-US" sz="1200">
+                <a:solidFill>
+                  <a:srgbClr val="FF0000"/>
+                </a:solidFill>
+              </a:rPr>
+              <a:t>＝</a:t>
+            </a:r>
+            <a:r>
+              <a:rPr kumimoji="1" lang="en-US" altLang="ja-JP" sz="1200">
+                <a:solidFill>
+                  <a:srgbClr val="FF0000"/>
+                </a:solidFill>
+              </a:rPr>
+              <a:t>A</a:t>
+            </a:r>
+            <a:endParaRPr kumimoji="1" lang="ja-JP" altLang="en-US" sz="1200">
+              <a:solidFill>
+                <a:srgbClr val="FF0000"/>
+              </a:solidFill>
+            </a:endParaRPr>
+          </a:p>
+        </p:txBody>
+      </p:sp>
+      <p:sp>
+        <p:nvSpPr>
+          <p:cNvPr id="2" name="正方形/長方形 1">
+            <a:extLst>
+              <a:ext uri="{FF2B5EF4-FFF2-40B4-BE49-F238E27FC236}">
+                <a16:creationId xmlns:a16="http://schemas.microsoft.com/office/drawing/2014/main" id="{572360F0-24E6-4603-9634-D08E53DFF249}"/>
+              </a:ext>
+            </a:extLst>
+          </p:cNvPr>
+          <p:cNvSpPr/>
+          <p:nvPr/>
+        </p:nvSpPr>
+        <p:spPr>
+          <a:xfrm>
+            <a:off x="1498600" y="3071289"/>
+            <a:ext cx="5093348" cy="579962"/>
+          </a:xfrm>
+          <a:prstGeom prst="rect">
+            <a:avLst/>
+          </a:prstGeom>
+          <a:noFill/>
+          <a:ln>
+            <a:solidFill>
+              <a:srgbClr val="00B050"/>
+            </a:solidFill>
+            <a:prstDash val="dash"/>
+          </a:ln>
+        </p:spPr>
+        <p:style>
+          <a:lnRef idx="2">
+            <a:schemeClr val="accent1">
+              <a:shade val="50000"/>
+            </a:schemeClr>
+          </a:lnRef>
+          <a:fillRef idx="1">
+            <a:schemeClr val="accent1"/>
+          </a:fillRef>
+          <a:effectRef idx="0">
+            <a:schemeClr val="accent1"/>
+          </a:effectRef>
+          <a:fontRef idx="minor">
+            <a:schemeClr val="lt1"/>
+          </a:fontRef>
+        </p:style>
+        <p:txBody>
+          <a:bodyPr rtlCol="0" anchor="ctr"/>
+          <a:lstStyle/>
+          <a:p>
+            <a:pPr algn="ctr"/>
+            <a:endParaRPr kumimoji="1" lang="ja-JP" altLang="en-US"/>
+          </a:p>
+        </p:txBody>
+      </p:sp>
+      <p:sp>
+        <p:nvSpPr>
+          <p:cNvPr id="48" name="テキスト ボックス 47">
+            <a:extLst>
+              <a:ext uri="{FF2B5EF4-FFF2-40B4-BE49-F238E27FC236}">
+                <a16:creationId xmlns:a16="http://schemas.microsoft.com/office/drawing/2014/main" id="{8B310CF3-A322-497E-9381-64B999DE8417}"/>
+              </a:ext>
+            </a:extLst>
+          </p:cNvPr>
+          <p:cNvSpPr txBox="1"/>
+          <p:nvPr/>
+        </p:nvSpPr>
+        <p:spPr>
+          <a:xfrm>
+            <a:off x="6591948" y="3220656"/>
+            <a:ext cx="1059906" cy="276999"/>
+          </a:xfrm>
+          <a:prstGeom prst="rect">
+            <a:avLst/>
+          </a:prstGeom>
+          <a:noFill/>
+        </p:spPr>
+        <p:txBody>
+          <a:bodyPr wrap="none" rtlCol="0">
+            <a:spAutoFit/>
+          </a:bodyPr>
+          <a:lstStyle/>
+          <a:p>
+            <a:r>
+              <a:rPr kumimoji="1" lang="en-US" altLang="ja-JP" sz="1200" b="1">
+                <a:solidFill>
+                  <a:schemeClr val="accent6"/>
+                </a:solidFill>
+              </a:rPr>
+              <a:t>ClassModel</a:t>
+            </a:r>
+            <a:endParaRPr kumimoji="1" lang="ja-JP" altLang="en-US" sz="1200" b="1">
+              <a:solidFill>
+                <a:schemeClr val="accent6"/>
+              </a:solidFill>
+            </a:endParaRPr>
+          </a:p>
+        </p:txBody>
+      </p:sp>
+      <p:sp>
+        <p:nvSpPr>
+          <p:cNvPr id="56" name="テキスト ボックス 55">
+            <a:extLst>
+              <a:ext uri="{FF2B5EF4-FFF2-40B4-BE49-F238E27FC236}">
+                <a16:creationId xmlns:a16="http://schemas.microsoft.com/office/drawing/2014/main" id="{B822B0C8-653E-4E60-AC1C-42D83BE27709}"/>
+              </a:ext>
+            </a:extLst>
+          </p:cNvPr>
+          <p:cNvSpPr txBox="1"/>
+          <p:nvPr/>
+        </p:nvSpPr>
+        <p:spPr>
+          <a:xfrm>
+            <a:off x="1471766" y="3066806"/>
+            <a:ext cx="1141659" cy="553998"/>
+          </a:xfrm>
+          <a:prstGeom prst="rect">
+            <a:avLst/>
+          </a:prstGeom>
+          <a:noFill/>
+        </p:spPr>
+        <p:txBody>
+          <a:bodyPr wrap="square" rtlCol="0">
+            <a:spAutoFit/>
+          </a:bodyPr>
+          <a:lstStyle/>
+          <a:p>
+            <a:r>
+              <a:rPr lang="en-US" altLang="ja-JP" sz="1000" b="1"/>
+              <a:t>ProcsAdd()</a:t>
+            </a:r>
+          </a:p>
+          <a:p>
+            <a:r>
+              <a:rPr lang="en-US" altLang="ja-JP" sz="1000" b="1"/>
+              <a:t>ProcsRemove()</a:t>
+            </a:r>
+          </a:p>
+          <a:p>
+            <a:r>
+              <a:rPr lang="en-US" altLang="ja-JP" sz="1000" b="1"/>
+              <a:t>FindProcess()</a:t>
+            </a:r>
+          </a:p>
+        </p:txBody>
+      </p:sp>
+      <p:sp>
+        <p:nvSpPr>
+          <p:cNvPr id="65" name="テキスト ボックス 64">
+            <a:extLst>
+              <a:ext uri="{FF2B5EF4-FFF2-40B4-BE49-F238E27FC236}">
+                <a16:creationId xmlns:a16="http://schemas.microsoft.com/office/drawing/2014/main" id="{88A93311-9393-4498-BFC6-92B911A5092E}"/>
+              </a:ext>
+            </a:extLst>
+          </p:cNvPr>
+          <p:cNvSpPr txBox="1"/>
+          <p:nvPr/>
+        </p:nvSpPr>
+        <p:spPr>
+          <a:xfrm>
+            <a:off x="2468762" y="3066806"/>
+            <a:ext cx="2037737" cy="400110"/>
+          </a:xfrm>
+          <a:prstGeom prst="rect">
+            <a:avLst/>
+          </a:prstGeom>
+          <a:noFill/>
+        </p:spPr>
+        <p:txBody>
+          <a:bodyPr wrap="none" rtlCol="0">
+            <a:spAutoFit/>
+          </a:bodyPr>
+          <a:lstStyle/>
+          <a:p>
+            <a:r>
+              <a:rPr lang="en-US" altLang="ja-JP" sz="1000" b="1"/>
+              <a:t>Add/RemoveWorkInReserve()</a:t>
+            </a:r>
+          </a:p>
+          <a:p>
+            <a:r>
+              <a:rPr lang="en-US" altLang="ja-JP" sz="1000" b="1"/>
+              <a:t>GetWorkInReserve()</a:t>
+            </a:r>
+          </a:p>
+        </p:txBody>
+      </p:sp>
+      <p:sp>
+        <p:nvSpPr>
+          <p:cNvPr id="67" name="テキスト ボックス 66">
+            <a:extLst>
+              <a:ext uri="{FF2B5EF4-FFF2-40B4-BE49-F238E27FC236}">
+                <a16:creationId xmlns:a16="http://schemas.microsoft.com/office/drawing/2014/main" id="{1E40C963-6EEC-486E-930F-CCFCFBC65455}"/>
+              </a:ext>
+            </a:extLst>
+          </p:cNvPr>
+          <p:cNvSpPr txBox="1"/>
+          <p:nvPr/>
+        </p:nvSpPr>
+        <p:spPr>
+          <a:xfrm>
+            <a:off x="4457792" y="3066806"/>
+            <a:ext cx="1896673" cy="553998"/>
+          </a:xfrm>
+          <a:prstGeom prst="rect">
+            <a:avLst/>
+          </a:prstGeom>
+          <a:noFill/>
+        </p:spPr>
+        <p:txBody>
+          <a:bodyPr wrap="none" rtlCol="0">
+            <a:spAutoFit/>
+          </a:bodyPr>
+          <a:lstStyle/>
+          <a:p>
+            <a:r>
+              <a:rPr lang="en-US" altLang="ja-JP" sz="1000" b="1"/>
+              <a:t>Enter/ExitWorkToProcess()</a:t>
+            </a:r>
+          </a:p>
+          <a:p>
+            <a:r>
+              <a:rPr lang="en-US" altLang="ja-JP" sz="1000" b="1"/>
+              <a:t>GetWorks()</a:t>
+            </a:r>
+          </a:p>
+          <a:p>
+            <a:r>
+              <a:rPr lang="en-US" altLang="ja-JP" sz="1000" b="1"/>
+              <a:t>Add/GetProcessLink</a:t>
+            </a:r>
+            <a:r>
+              <a:rPr lang="en-US" altLang="ja-JP" sz="1000" b="1" u="sng"/>
+              <a:t>s</a:t>
+            </a:r>
+            <a:r>
+              <a:rPr lang="en-US" altLang="ja-JP" sz="1000" b="1"/>
+              <a:t>()</a:t>
+            </a:r>
+          </a:p>
+        </p:txBody>
+      </p:sp>
+      <p:sp>
+        <p:nvSpPr>
+          <p:cNvPr id="75" name="正方形/長方形 74">
+            <a:extLst>
+              <a:ext uri="{FF2B5EF4-FFF2-40B4-BE49-F238E27FC236}">
+                <a16:creationId xmlns:a16="http://schemas.microsoft.com/office/drawing/2014/main" id="{126B9F37-4FA6-40B0-B776-34B3AEE34C42}"/>
+              </a:ext>
+            </a:extLst>
+          </p:cNvPr>
+          <p:cNvSpPr/>
+          <p:nvPr/>
+        </p:nvSpPr>
+        <p:spPr>
+          <a:xfrm>
+            <a:off x="833602" y="3071289"/>
+            <a:ext cx="359834" cy="579962"/>
+          </a:xfrm>
+          <a:prstGeom prst="rect">
+            <a:avLst/>
+          </a:prstGeom>
+          <a:noFill/>
+          <a:ln>
+            <a:solidFill>
+              <a:srgbClr val="00B050"/>
+            </a:solidFill>
+            <a:prstDash val="solid"/>
+          </a:ln>
+        </p:spPr>
+        <p:style>
+          <a:lnRef idx="2">
+            <a:schemeClr val="accent1">
+              <a:shade val="50000"/>
+            </a:schemeClr>
+          </a:lnRef>
+          <a:fillRef idx="1">
+            <a:schemeClr val="accent1"/>
+          </a:fillRef>
+          <a:effectRef idx="0">
+            <a:schemeClr val="accent1"/>
+          </a:effectRef>
+          <a:fontRef idx="minor">
+            <a:schemeClr val="lt1"/>
+          </a:fontRef>
+        </p:style>
+        <p:txBody>
+          <a:bodyPr rtlCol="0" anchor="ctr"/>
+          <a:lstStyle/>
+          <a:p>
+            <a:pPr algn="ctr"/>
+            <a:endParaRPr kumimoji="1" lang="ja-JP" altLang="en-US"/>
+          </a:p>
+        </p:txBody>
+      </p:sp>
+      <p:sp>
+        <p:nvSpPr>
+          <p:cNvPr id="11" name="矢印: 右 10">
+            <a:extLst>
+              <a:ext uri="{FF2B5EF4-FFF2-40B4-BE49-F238E27FC236}">
+                <a16:creationId xmlns:a16="http://schemas.microsoft.com/office/drawing/2014/main" id="{10351F01-8AB0-4B7D-AF91-6D7726341EF4}"/>
+              </a:ext>
+            </a:extLst>
+          </p:cNvPr>
+          <p:cNvSpPr/>
+          <p:nvPr/>
+        </p:nvSpPr>
+        <p:spPr>
+          <a:xfrm>
+            <a:off x="1228349" y="3285066"/>
+            <a:ext cx="243417" cy="212589"/>
+          </a:xfrm>
+          <a:prstGeom prst="rightArrow">
+            <a:avLst/>
+          </a:prstGeom>
+          <a:solidFill>
+            <a:schemeClr val="bg1"/>
+          </a:solidFill>
+        </p:spPr>
+        <p:style>
+          <a:lnRef idx="2">
+            <a:schemeClr val="accent1">
+              <a:shade val="50000"/>
+            </a:schemeClr>
+          </a:lnRef>
+          <a:fillRef idx="1">
+            <a:schemeClr val="accent1"/>
+          </a:fillRef>
+          <a:effectRef idx="0">
+            <a:schemeClr val="accent1"/>
+          </a:effectRef>
+          <a:fontRef idx="minor">
+            <a:schemeClr val="lt1"/>
+          </a:fontRef>
+        </p:style>
+        <p:txBody>
+          <a:bodyPr rtlCol="0" anchor="ctr"/>
+          <a:lstStyle/>
+          <a:p>
+            <a:pPr algn="ctr"/>
+            <a:endParaRPr kumimoji="1" lang="ja-JP" altLang="en-US"/>
+          </a:p>
+        </p:txBody>
+      </p:sp>
+      <p:sp>
+        <p:nvSpPr>
+          <p:cNvPr id="82" name="テキスト ボックス 81">
+            <a:extLst>
+              <a:ext uri="{FF2B5EF4-FFF2-40B4-BE49-F238E27FC236}">
+                <a16:creationId xmlns:a16="http://schemas.microsoft.com/office/drawing/2014/main" id="{2FBE9E0A-A006-4BD4-BBCD-BE145E4862AA}"/>
+              </a:ext>
+            </a:extLst>
+          </p:cNvPr>
+          <p:cNvSpPr txBox="1"/>
+          <p:nvPr/>
+        </p:nvSpPr>
+        <p:spPr>
+          <a:xfrm>
+            <a:off x="823617" y="3230034"/>
+            <a:ext cx="344966" cy="276999"/>
+          </a:xfrm>
+          <a:prstGeom prst="rect">
+            <a:avLst/>
+          </a:prstGeom>
+          <a:noFill/>
+        </p:spPr>
+        <p:txBody>
+          <a:bodyPr wrap="none" rtlCol="0">
+            <a:spAutoFit/>
+          </a:bodyPr>
+          <a:lstStyle/>
+          <a:p>
+            <a:r>
+              <a:rPr kumimoji="1" lang="en-US" altLang="ja-JP" sz="1200">
+                <a:solidFill>
+                  <a:schemeClr val="accent6"/>
+                </a:solidFill>
+              </a:rPr>
+              <a:t>DI</a:t>
+            </a:r>
+            <a:endParaRPr kumimoji="1" lang="ja-JP" altLang="en-US" sz="1200">
+              <a:solidFill>
+                <a:schemeClr val="accent6"/>
+              </a:solidFill>
+            </a:endParaRPr>
+          </a:p>
+        </p:txBody>
+      </p:sp>
+      <p:sp>
+        <p:nvSpPr>
+          <p:cNvPr id="30" name="テキスト ボックス 29">
+            <a:extLst>
+              <a:ext uri="{FF2B5EF4-FFF2-40B4-BE49-F238E27FC236}">
+                <a16:creationId xmlns:a16="http://schemas.microsoft.com/office/drawing/2014/main" id="{7F8CBE7A-34EB-48B4-9B86-ADA78DAF09EE}"/>
+              </a:ext>
+            </a:extLst>
+          </p:cNvPr>
+          <p:cNvSpPr txBox="1"/>
+          <p:nvPr/>
+        </p:nvSpPr>
+        <p:spPr>
+          <a:xfrm>
+            <a:off x="133008" y="181925"/>
+            <a:ext cx="3071625" cy="369332"/>
+          </a:xfrm>
+          <a:prstGeom prst="rect">
+            <a:avLst/>
+          </a:prstGeom>
+          <a:noFill/>
+        </p:spPr>
+        <p:txBody>
+          <a:bodyPr wrap="square" rtlCol="0">
+            <a:spAutoFit/>
+          </a:bodyPr>
+          <a:lstStyle/>
+          <a:p>
+            <a:r>
+              <a:rPr kumimoji="1" lang="en-US" altLang="ja-JP" b="1" u="sng"/>
+              <a:t>NEST STAGE DESIGN</a:t>
+            </a:r>
+            <a:endParaRPr kumimoji="1" lang="ja-JP" altLang="en-US" b="1" u="sng"/>
+          </a:p>
+        </p:txBody>
+      </p:sp>
+      <p:sp>
+        <p:nvSpPr>
+          <p:cNvPr id="50" name="四角形: 角を丸くする 49">
+            <a:extLst>
+              <a:ext uri="{FF2B5EF4-FFF2-40B4-BE49-F238E27FC236}">
+                <a16:creationId xmlns:a16="http://schemas.microsoft.com/office/drawing/2014/main" id="{98B098E7-6C42-4D85-8884-AFA927774691}"/>
+              </a:ext>
+            </a:extLst>
+          </p:cNvPr>
+          <p:cNvSpPr/>
+          <p:nvPr/>
+        </p:nvSpPr>
+        <p:spPr>
+          <a:xfrm>
+            <a:off x="2334661" y="4616558"/>
+            <a:ext cx="4081692" cy="2059517"/>
+          </a:xfrm>
+          <a:prstGeom prst="roundRect">
+            <a:avLst/>
+          </a:prstGeom>
+          <a:noFill/>
+        </p:spPr>
+        <p:style>
+          <a:lnRef idx="2">
+            <a:schemeClr val="accent4">
+              <a:shade val="50000"/>
+            </a:schemeClr>
+          </a:lnRef>
+          <a:fillRef idx="1">
+            <a:schemeClr val="accent4"/>
+          </a:fillRef>
+          <a:effectRef idx="0">
+            <a:schemeClr val="accent4"/>
+          </a:effectRef>
+          <a:fontRef idx="minor">
+            <a:schemeClr val="lt1"/>
+          </a:fontRef>
+        </p:style>
+        <p:txBody>
+          <a:bodyPr rtlCol="0" anchor="t" anchorCtr="0"/>
+          <a:lstStyle/>
+          <a:p>
+            <a:pPr algn="ctr"/>
+            <a:r>
+              <a:rPr lang="en-US" altLang="ja-JP" b="1" u="sng">
+                <a:solidFill>
+                  <a:schemeClr val="accent4">
+                    <a:lumMod val="75000"/>
+                  </a:schemeClr>
+                </a:solidFill>
+              </a:rPr>
+              <a:t>Stage </a:t>
+            </a:r>
+            <a:r>
+              <a:rPr kumimoji="1" lang="en-US" altLang="ja-JP" b="1" u="sng">
+                <a:solidFill>
+                  <a:schemeClr val="accent4">
+                    <a:lumMod val="75000"/>
+                  </a:schemeClr>
+                </a:solidFill>
+              </a:rPr>
+              <a:t>: st</a:t>
+            </a:r>
+          </a:p>
+        </p:txBody>
+      </p:sp>
+      <p:sp>
+        <p:nvSpPr>
+          <p:cNvPr id="51" name="四角形: 角を丸くする 50">
+            <a:extLst>
+              <a:ext uri="{FF2B5EF4-FFF2-40B4-BE49-F238E27FC236}">
+                <a16:creationId xmlns:a16="http://schemas.microsoft.com/office/drawing/2014/main" id="{BD8AEEBF-43BB-4D9B-8C6E-57A2ABB01FB8}"/>
+              </a:ext>
+            </a:extLst>
+          </p:cNvPr>
+          <p:cNvSpPr/>
+          <p:nvPr/>
+        </p:nvSpPr>
+        <p:spPr>
+          <a:xfrm>
+            <a:off x="2721416" y="5139848"/>
+            <a:ext cx="1082539" cy="948993"/>
+          </a:xfrm>
+          <a:prstGeom prst="roundRect">
+            <a:avLst/>
+          </a:prstGeom>
+          <a:noFill/>
+        </p:spPr>
+        <p:style>
+          <a:lnRef idx="2">
+            <a:schemeClr val="accent4">
+              <a:shade val="50000"/>
+            </a:schemeClr>
+          </a:lnRef>
+          <a:fillRef idx="1">
+            <a:schemeClr val="accent4"/>
+          </a:fillRef>
+          <a:effectRef idx="0">
+            <a:schemeClr val="accent4"/>
+          </a:effectRef>
+          <a:fontRef idx="minor">
+            <a:schemeClr val="lt1"/>
+          </a:fontRef>
+        </p:style>
+        <p:txBody>
+          <a:bodyPr rtlCol="0" anchor="t" anchorCtr="0"/>
+          <a:lstStyle/>
+          <a:p>
+            <a:pPr algn="ctr"/>
+            <a:r>
+              <a:rPr kumimoji="1" lang="en-US" altLang="ja-JP" sz="1100" b="1" u="sng">
+                <a:solidFill>
+                  <a:schemeClr val="accent4">
+                    <a:lumMod val="75000"/>
+                  </a:schemeClr>
+                </a:solidFill>
+              </a:rPr>
+              <a:t>X</a:t>
+            </a:r>
+          </a:p>
+        </p:txBody>
+      </p:sp>
+      <p:sp>
+        <p:nvSpPr>
+          <p:cNvPr id="55" name="正方形/長方形 54">
+            <a:extLst>
+              <a:ext uri="{FF2B5EF4-FFF2-40B4-BE49-F238E27FC236}">
+                <a16:creationId xmlns:a16="http://schemas.microsoft.com/office/drawing/2014/main" id="{6E37B20A-2443-4795-A956-81C121668BD5}"/>
+              </a:ext>
+            </a:extLst>
+          </p:cNvPr>
+          <p:cNvSpPr/>
+          <p:nvPr/>
+        </p:nvSpPr>
+        <p:spPr>
+          <a:xfrm>
+            <a:off x="2919686" y="5492473"/>
+            <a:ext cx="299720" cy="249487"/>
+          </a:xfrm>
+          <a:prstGeom prst="rect">
+            <a:avLst/>
+          </a:prstGeom>
+          <a:noFill/>
+          <a:ln w="28575">
+            <a:solidFill>
+              <a:srgbClr val="FF0000"/>
+            </a:solidFill>
+          </a:ln>
+        </p:spPr>
+        <p:style>
+          <a:lnRef idx="2">
+            <a:schemeClr val="accent1">
+              <a:shade val="50000"/>
+            </a:schemeClr>
+          </a:lnRef>
+          <a:fillRef idx="1">
+            <a:schemeClr val="accent1"/>
+          </a:fillRef>
+          <a:effectRef idx="0">
+            <a:schemeClr val="accent1"/>
+          </a:effectRef>
+          <a:fontRef idx="minor">
+            <a:schemeClr val="lt1"/>
+          </a:fontRef>
+        </p:style>
+        <p:txBody>
+          <a:bodyPr rtlCol="0" anchor="t" anchorCtr="0"/>
+          <a:lstStyle/>
+          <a:p>
+            <a:pPr algn="ctr"/>
+            <a:r>
+              <a:rPr lang="en-US" altLang="ja-JP" sz="1400">
+                <a:solidFill>
+                  <a:srgbClr val="FF0000"/>
+                </a:solidFill>
+              </a:rPr>
+              <a:t>A</a:t>
+            </a:r>
+            <a:endParaRPr kumimoji="1" lang="ja-JP" altLang="en-US" sz="1400">
+              <a:solidFill>
+                <a:srgbClr val="FF0000"/>
+              </a:solidFill>
+            </a:endParaRPr>
+          </a:p>
+        </p:txBody>
+      </p:sp>
+      <p:sp>
+        <p:nvSpPr>
+          <p:cNvPr id="60" name="正方形/長方形 59">
+            <a:extLst>
+              <a:ext uri="{FF2B5EF4-FFF2-40B4-BE49-F238E27FC236}">
+                <a16:creationId xmlns:a16="http://schemas.microsoft.com/office/drawing/2014/main" id="{B1AA9C6C-223F-45DA-AC1E-8DAA9436770B}"/>
+              </a:ext>
+            </a:extLst>
+          </p:cNvPr>
+          <p:cNvSpPr/>
+          <p:nvPr/>
+        </p:nvSpPr>
+        <p:spPr>
+          <a:xfrm>
+            <a:off x="3334028" y="5494854"/>
+            <a:ext cx="299720" cy="249487"/>
+          </a:xfrm>
+          <a:prstGeom prst="rect">
+            <a:avLst/>
+          </a:prstGeom>
+          <a:noFill/>
+          <a:ln w="28575">
+            <a:solidFill>
+              <a:srgbClr val="FF0000"/>
+            </a:solidFill>
+          </a:ln>
+        </p:spPr>
+        <p:style>
+          <a:lnRef idx="2">
+            <a:schemeClr val="accent1">
+              <a:shade val="50000"/>
+            </a:schemeClr>
+          </a:lnRef>
+          <a:fillRef idx="1">
+            <a:schemeClr val="accent1"/>
+          </a:fillRef>
+          <a:effectRef idx="0">
+            <a:schemeClr val="accent1"/>
+          </a:effectRef>
+          <a:fontRef idx="minor">
+            <a:schemeClr val="lt1"/>
+          </a:fontRef>
+        </p:style>
+        <p:txBody>
+          <a:bodyPr rtlCol="0" anchor="t" anchorCtr="0"/>
+          <a:lstStyle/>
+          <a:p>
+            <a:pPr algn="ctr"/>
+            <a:r>
+              <a:rPr lang="en-US" altLang="ja-JP" sz="1400">
+                <a:solidFill>
+                  <a:srgbClr val="FF0000"/>
+                </a:solidFill>
+              </a:rPr>
+              <a:t>B</a:t>
+            </a:r>
+            <a:endParaRPr kumimoji="1" lang="ja-JP" altLang="en-US" sz="1400">
+              <a:solidFill>
+                <a:srgbClr val="FF0000"/>
+              </a:solidFill>
+            </a:endParaRPr>
+          </a:p>
+        </p:txBody>
+      </p:sp>
+      <p:cxnSp>
+        <p:nvCxnSpPr>
+          <p:cNvPr id="62" name="直線矢印コネクタ 61">
+            <a:extLst>
+              <a:ext uri="{FF2B5EF4-FFF2-40B4-BE49-F238E27FC236}">
+                <a16:creationId xmlns:a16="http://schemas.microsoft.com/office/drawing/2014/main" id="{6BBEAB72-68CE-401F-9839-4FE239F79870}"/>
+              </a:ext>
+            </a:extLst>
+          </p:cNvPr>
+          <p:cNvCxnSpPr>
+            <a:cxnSpLocks/>
+            <a:stCxn id="55" idx="3"/>
+            <a:endCxn id="60" idx="1"/>
+          </p:cNvCxnSpPr>
+          <p:nvPr/>
+        </p:nvCxnSpPr>
+        <p:spPr>
+          <a:xfrm>
+            <a:off x="3219406" y="5617217"/>
+            <a:ext cx="114622" cy="2381"/>
+          </a:xfrm>
+          <a:prstGeom prst="straightConnector1">
+            <a:avLst/>
+          </a:prstGeom>
+          <a:ln w="9525">
+            <a:solidFill>
+              <a:srgbClr val="FF0000"/>
+            </a:solidFill>
+            <a:headEnd type="none" w="med" len="med"/>
+            <a:tailEnd type="arrow" w="sm" len="sm"/>
+          </a:ln>
+        </p:spPr>
+        <p:style>
+          <a:lnRef idx="1">
+            <a:schemeClr val="accent1"/>
+          </a:lnRef>
+          <a:fillRef idx="0">
+            <a:schemeClr val="accent1"/>
+          </a:fillRef>
+          <a:effectRef idx="0">
+            <a:schemeClr val="accent1"/>
+          </a:effectRef>
+          <a:fontRef idx="minor">
+            <a:schemeClr val="tx1"/>
+          </a:fontRef>
+        </p:style>
+      </p:cxnSp>
+      <p:sp>
+        <p:nvSpPr>
+          <p:cNvPr id="69" name="正方形/長方形 68">
+            <a:extLst>
+              <a:ext uri="{FF2B5EF4-FFF2-40B4-BE49-F238E27FC236}">
+                <a16:creationId xmlns:a16="http://schemas.microsoft.com/office/drawing/2014/main" id="{59BE0FE6-C835-4FA1-A0D5-FDB4331579F5}"/>
+              </a:ext>
+            </a:extLst>
+          </p:cNvPr>
+          <p:cNvSpPr/>
+          <p:nvPr/>
+        </p:nvSpPr>
+        <p:spPr>
+          <a:xfrm>
+            <a:off x="2844058" y="5855284"/>
+            <a:ext cx="862342" cy="152335"/>
+          </a:xfrm>
+          <a:prstGeom prst="rect">
+            <a:avLst/>
+          </a:prstGeom>
+          <a:noFill/>
+          <a:ln>
+            <a:solidFill>
+              <a:srgbClr val="00B050"/>
+            </a:solidFill>
+            <a:prstDash val="dash"/>
+          </a:ln>
+        </p:spPr>
+        <p:style>
+          <a:lnRef idx="2">
+            <a:schemeClr val="accent1">
+              <a:shade val="50000"/>
+            </a:schemeClr>
+          </a:lnRef>
+          <a:fillRef idx="1">
+            <a:schemeClr val="accent1"/>
+          </a:fillRef>
+          <a:effectRef idx="0">
+            <a:schemeClr val="accent1"/>
+          </a:effectRef>
+          <a:fontRef idx="minor">
+            <a:schemeClr val="lt1"/>
+          </a:fontRef>
+        </p:style>
+        <p:txBody>
+          <a:bodyPr rtlCol="0" anchor="ctr"/>
+          <a:lstStyle/>
+          <a:p>
+            <a:pPr algn="ctr"/>
+            <a:endParaRPr kumimoji="1" lang="ja-JP" altLang="en-US"/>
+          </a:p>
+        </p:txBody>
+      </p:sp>
+      <p:sp>
+        <p:nvSpPr>
+          <p:cNvPr id="74" name="正方形/長方形 73">
+            <a:extLst>
+              <a:ext uri="{FF2B5EF4-FFF2-40B4-BE49-F238E27FC236}">
+                <a16:creationId xmlns:a16="http://schemas.microsoft.com/office/drawing/2014/main" id="{735CDD91-EA59-4E4E-85A4-560C9CC275D0}"/>
+              </a:ext>
+            </a:extLst>
+          </p:cNvPr>
+          <p:cNvSpPr/>
+          <p:nvPr/>
+        </p:nvSpPr>
+        <p:spPr>
+          <a:xfrm>
+            <a:off x="2735342" y="6246281"/>
+            <a:ext cx="3305797" cy="319929"/>
+          </a:xfrm>
+          <a:prstGeom prst="rect">
+            <a:avLst/>
+          </a:prstGeom>
+          <a:noFill/>
+          <a:ln w="28575">
+            <a:solidFill>
+              <a:srgbClr val="00B0F0"/>
+            </a:solidFill>
+            <a:prstDash val="dash"/>
+          </a:ln>
+        </p:spPr>
+        <p:style>
+          <a:lnRef idx="2">
+            <a:schemeClr val="accent1">
+              <a:shade val="50000"/>
+            </a:schemeClr>
+          </a:lnRef>
+          <a:fillRef idx="1">
+            <a:schemeClr val="accent1"/>
+          </a:fillRef>
+          <a:effectRef idx="0">
+            <a:schemeClr val="accent1"/>
+          </a:effectRef>
+          <a:fontRef idx="minor">
+            <a:schemeClr val="lt1"/>
+          </a:fontRef>
+        </p:style>
+        <p:txBody>
+          <a:bodyPr rtlCol="0" anchor="ctr"/>
+          <a:lstStyle/>
+          <a:p>
+            <a:pPr algn="ctr"/>
+            <a:endParaRPr kumimoji="1" lang="ja-JP" altLang="en-US"/>
+          </a:p>
+        </p:txBody>
+      </p:sp>
+      <p:sp>
+        <p:nvSpPr>
+          <p:cNvPr id="92" name="正方形/長方形 91">
+            <a:extLst>
+              <a:ext uri="{FF2B5EF4-FFF2-40B4-BE49-F238E27FC236}">
+                <a16:creationId xmlns:a16="http://schemas.microsoft.com/office/drawing/2014/main" id="{47AF566D-65CB-4CD6-B72E-6164FD91E0BD}"/>
+              </a:ext>
+            </a:extLst>
+          </p:cNvPr>
+          <p:cNvSpPr/>
+          <p:nvPr/>
+        </p:nvSpPr>
+        <p:spPr>
+          <a:xfrm>
+            <a:off x="4266707" y="5494854"/>
+            <a:ext cx="299720" cy="249487"/>
+          </a:xfrm>
+          <a:prstGeom prst="rect">
+            <a:avLst/>
+          </a:prstGeom>
+          <a:noFill/>
+          <a:ln w="28575">
+            <a:solidFill>
+              <a:srgbClr val="FF0000"/>
+            </a:solidFill>
+          </a:ln>
+        </p:spPr>
+        <p:style>
+          <a:lnRef idx="2">
+            <a:schemeClr val="accent1">
+              <a:shade val="50000"/>
+            </a:schemeClr>
+          </a:lnRef>
+          <a:fillRef idx="1">
+            <a:schemeClr val="accent1"/>
+          </a:fillRef>
+          <a:effectRef idx="0">
+            <a:schemeClr val="accent1"/>
+          </a:effectRef>
+          <a:fontRef idx="minor">
+            <a:schemeClr val="lt1"/>
+          </a:fontRef>
+        </p:style>
+        <p:txBody>
+          <a:bodyPr rtlCol="0" anchor="t" anchorCtr="0"/>
+          <a:lstStyle/>
+          <a:p>
+            <a:pPr algn="ctr"/>
+            <a:r>
+              <a:rPr lang="en-US" altLang="ja-JP" sz="1400">
+                <a:solidFill>
+                  <a:srgbClr val="FF0000"/>
+                </a:solidFill>
+              </a:rPr>
+              <a:t>C</a:t>
+            </a:r>
+            <a:endParaRPr kumimoji="1" lang="ja-JP" altLang="en-US" sz="1400">
+              <a:solidFill>
+                <a:srgbClr val="FF0000"/>
+              </a:solidFill>
+            </a:endParaRPr>
+          </a:p>
+        </p:txBody>
+      </p:sp>
+      <p:cxnSp>
+        <p:nvCxnSpPr>
+          <p:cNvPr id="93" name="直線コネクタ 92">
+            <a:extLst>
+              <a:ext uri="{FF2B5EF4-FFF2-40B4-BE49-F238E27FC236}">
+                <a16:creationId xmlns:a16="http://schemas.microsoft.com/office/drawing/2014/main" id="{C9A2A3DE-4BB9-41D6-9E5B-E055957ED695}"/>
+              </a:ext>
+            </a:extLst>
+          </p:cNvPr>
+          <p:cNvCxnSpPr>
+            <a:cxnSpLocks/>
+          </p:cNvCxnSpPr>
+          <p:nvPr/>
+        </p:nvCxnSpPr>
+        <p:spPr>
+          <a:xfrm>
+            <a:off x="2059414" y="4839969"/>
+            <a:ext cx="899686" cy="413137"/>
+          </a:xfrm>
+          <a:prstGeom prst="line">
+            <a:avLst/>
+          </a:prstGeom>
+        </p:spPr>
+        <p:style>
+          <a:lnRef idx="1">
+            <a:schemeClr val="accent1"/>
+          </a:lnRef>
+          <a:fillRef idx="0">
+            <a:schemeClr val="accent1"/>
+          </a:fillRef>
+          <a:effectRef idx="0">
+            <a:schemeClr val="accent1"/>
+          </a:effectRef>
+          <a:fontRef idx="minor">
+            <a:schemeClr val="tx1"/>
+          </a:fontRef>
+        </p:style>
+      </p:cxnSp>
+      <p:sp>
+        <p:nvSpPr>
+          <p:cNvPr id="94" name="テキスト ボックス 93">
+            <a:extLst>
+              <a:ext uri="{FF2B5EF4-FFF2-40B4-BE49-F238E27FC236}">
+                <a16:creationId xmlns:a16="http://schemas.microsoft.com/office/drawing/2014/main" id="{207A67A8-D215-4449-8DA3-BBD57817E497}"/>
+              </a:ext>
+            </a:extLst>
+          </p:cNvPr>
+          <p:cNvSpPr txBox="1"/>
+          <p:nvPr/>
+        </p:nvSpPr>
+        <p:spPr>
+          <a:xfrm>
+            <a:off x="1662710" y="4572349"/>
+            <a:ext cx="628698" cy="276999"/>
+          </a:xfrm>
+          <a:prstGeom prst="rect">
+            <a:avLst/>
+          </a:prstGeom>
+          <a:noFill/>
+        </p:spPr>
+        <p:txBody>
+          <a:bodyPr wrap="none" rtlCol="0">
+            <a:spAutoFit/>
+          </a:bodyPr>
+          <a:lstStyle/>
+          <a:p>
+            <a:r>
+              <a:rPr kumimoji="1" lang="en-US" altLang="ja-JP" sz="1200">
+                <a:solidFill>
+                  <a:schemeClr val="accent1"/>
+                </a:solidFill>
+              </a:rPr>
+              <a:t>Model</a:t>
+            </a:r>
+            <a:endParaRPr kumimoji="1" lang="ja-JP" altLang="en-US" sz="1200">
+              <a:solidFill>
+                <a:schemeClr val="accent1"/>
+              </a:solidFill>
+            </a:endParaRPr>
+          </a:p>
+        </p:txBody>
+      </p:sp>
+      <p:cxnSp>
+        <p:nvCxnSpPr>
+          <p:cNvPr id="97" name="直線コネクタ 96">
+            <a:extLst>
+              <a:ext uri="{FF2B5EF4-FFF2-40B4-BE49-F238E27FC236}">
+                <a16:creationId xmlns:a16="http://schemas.microsoft.com/office/drawing/2014/main" id="{83D28A9E-6B71-44BA-8711-18F0FD95859A}"/>
+              </a:ext>
+            </a:extLst>
+          </p:cNvPr>
+          <p:cNvCxnSpPr>
+            <a:cxnSpLocks/>
+            <a:stCxn id="7" idx="6"/>
+            <a:endCxn id="74" idx="1"/>
+          </p:cNvCxnSpPr>
+          <p:nvPr/>
+        </p:nvCxnSpPr>
+        <p:spPr>
+          <a:xfrm>
+            <a:off x="1062106" y="6177241"/>
+            <a:ext cx="1673236" cy="229005"/>
+          </a:xfrm>
+          <a:prstGeom prst="line">
+            <a:avLst/>
+          </a:prstGeom>
+          <a:ln w="28575">
+            <a:headEnd type="none" w="med" len="med"/>
+            <a:tailEnd type="arrow" w="med" len="med"/>
+          </a:ln>
+        </p:spPr>
+        <p:style>
+          <a:lnRef idx="1">
+            <a:schemeClr val="accent1"/>
+          </a:lnRef>
+          <a:fillRef idx="0">
+            <a:schemeClr val="accent1"/>
+          </a:fillRef>
+          <a:effectRef idx="0">
+            <a:schemeClr val="accent1"/>
+          </a:effectRef>
+          <a:fontRef idx="minor">
+            <a:schemeClr val="tx1"/>
+          </a:fontRef>
+        </p:style>
+      </p:cxnSp>
+      <p:sp>
+        <p:nvSpPr>
+          <p:cNvPr id="99" name="テキスト ボックス 98">
+            <a:extLst>
+              <a:ext uri="{FF2B5EF4-FFF2-40B4-BE49-F238E27FC236}">
+                <a16:creationId xmlns:a16="http://schemas.microsoft.com/office/drawing/2014/main" id="{9F2D3599-7C89-4ABA-912F-33144536DF7C}"/>
+              </a:ext>
+            </a:extLst>
+          </p:cNvPr>
+          <p:cNvSpPr txBox="1"/>
+          <p:nvPr/>
+        </p:nvSpPr>
+        <p:spPr>
+          <a:xfrm>
+            <a:off x="1662710" y="5730620"/>
+            <a:ext cx="670376" cy="276999"/>
+          </a:xfrm>
+          <a:prstGeom prst="rect">
+            <a:avLst/>
+          </a:prstGeom>
+          <a:noFill/>
+        </p:spPr>
+        <p:txBody>
+          <a:bodyPr wrap="none" rtlCol="0">
+            <a:spAutoFit/>
+          </a:bodyPr>
+          <a:lstStyle/>
+          <a:p>
+            <a:r>
+              <a:rPr kumimoji="1" lang="en-US" altLang="ja-JP" sz="1200">
+                <a:solidFill>
+                  <a:schemeClr val="accent1"/>
+                </a:solidFill>
+              </a:rPr>
+              <a:t>Engine</a:t>
+            </a:r>
+            <a:endParaRPr kumimoji="1" lang="ja-JP" altLang="en-US" sz="1200">
+              <a:solidFill>
+                <a:schemeClr val="accent1"/>
+              </a:solidFill>
+            </a:endParaRPr>
+          </a:p>
+        </p:txBody>
+      </p:sp>
+      <p:sp>
+        <p:nvSpPr>
+          <p:cNvPr id="7" name="楕円 6">
+            <a:extLst>
+              <a:ext uri="{FF2B5EF4-FFF2-40B4-BE49-F238E27FC236}">
+                <a16:creationId xmlns:a16="http://schemas.microsoft.com/office/drawing/2014/main" id="{19E19EE2-734A-43BD-A081-98F2E3DEF2F2}"/>
+              </a:ext>
+            </a:extLst>
+          </p:cNvPr>
+          <p:cNvSpPr/>
+          <p:nvPr/>
+        </p:nvSpPr>
+        <p:spPr>
+          <a:xfrm>
+            <a:off x="613833" y="5953104"/>
+            <a:ext cx="448273" cy="448273"/>
+          </a:xfrm>
+          <a:prstGeom prst="ellipse">
+            <a:avLst/>
+          </a:prstGeom>
+          <a:solidFill>
+            <a:srgbClr val="66FFFF"/>
+          </a:solidFill>
+        </p:spPr>
+        <p:style>
+          <a:lnRef idx="2">
+            <a:schemeClr val="accent1">
+              <a:shade val="50000"/>
+            </a:schemeClr>
+          </a:lnRef>
+          <a:fillRef idx="1">
+            <a:schemeClr val="accent1"/>
+          </a:fillRef>
+          <a:effectRef idx="0">
+            <a:schemeClr val="accent1"/>
+          </a:effectRef>
+          <a:fontRef idx="minor">
+            <a:schemeClr val="lt1"/>
+          </a:fontRef>
+        </p:style>
+        <p:txBody>
+          <a:bodyPr wrap="none" rtlCol="0" anchor="ctr"/>
+          <a:lstStyle/>
+          <a:p>
+            <a:pPr algn="ctr"/>
+            <a:r>
+              <a:rPr kumimoji="1" lang="en-US" altLang="ja-JP">
+                <a:solidFill>
+                  <a:schemeClr val="accent1"/>
+                </a:solidFill>
+              </a:rPr>
+              <a:t>w1</a:t>
+            </a:r>
+            <a:endParaRPr kumimoji="1" lang="ja-JP" altLang="en-US">
+              <a:solidFill>
+                <a:schemeClr val="accent1"/>
+              </a:solidFill>
+            </a:endParaRPr>
+          </a:p>
+        </p:txBody>
+      </p:sp>
+      <p:cxnSp>
+        <p:nvCxnSpPr>
+          <p:cNvPr id="100" name="直線コネクタ 99">
+            <a:extLst>
+              <a:ext uri="{FF2B5EF4-FFF2-40B4-BE49-F238E27FC236}">
+                <a16:creationId xmlns:a16="http://schemas.microsoft.com/office/drawing/2014/main" id="{E211DD17-B3C6-419C-B552-7952C662A96E}"/>
+              </a:ext>
+            </a:extLst>
+          </p:cNvPr>
+          <p:cNvCxnSpPr>
+            <a:cxnSpLocks/>
+          </p:cNvCxnSpPr>
+          <p:nvPr/>
+        </p:nvCxnSpPr>
+        <p:spPr>
+          <a:xfrm>
+            <a:off x="2059414" y="5968542"/>
+            <a:ext cx="684807" cy="274763"/>
+          </a:xfrm>
+          <a:prstGeom prst="line">
+            <a:avLst/>
+          </a:prstGeom>
+        </p:spPr>
+        <p:style>
+          <a:lnRef idx="1">
+            <a:schemeClr val="accent1"/>
+          </a:lnRef>
+          <a:fillRef idx="0">
+            <a:schemeClr val="accent1"/>
+          </a:fillRef>
+          <a:effectRef idx="0">
+            <a:schemeClr val="accent1"/>
+          </a:effectRef>
+          <a:fontRef idx="minor">
+            <a:schemeClr val="tx1"/>
+          </a:fontRef>
+        </p:style>
+      </p:cxnSp>
+      <p:sp>
+        <p:nvSpPr>
+          <p:cNvPr id="101" name="四角形: 角を丸くする 100">
+            <a:extLst>
+              <a:ext uri="{FF2B5EF4-FFF2-40B4-BE49-F238E27FC236}">
+                <a16:creationId xmlns:a16="http://schemas.microsoft.com/office/drawing/2014/main" id="{1986FFB7-E101-40FD-8412-9FAC18538EBD}"/>
+              </a:ext>
+            </a:extLst>
+          </p:cNvPr>
+          <p:cNvSpPr/>
+          <p:nvPr/>
+        </p:nvSpPr>
+        <p:spPr>
+          <a:xfrm>
+            <a:off x="4958601" y="5139848"/>
+            <a:ext cx="1082539" cy="948993"/>
+          </a:xfrm>
+          <a:prstGeom prst="roundRect">
+            <a:avLst/>
+          </a:prstGeom>
+          <a:noFill/>
+        </p:spPr>
+        <p:style>
+          <a:lnRef idx="2">
+            <a:schemeClr val="accent4">
+              <a:shade val="50000"/>
+            </a:schemeClr>
+          </a:lnRef>
+          <a:fillRef idx="1">
+            <a:schemeClr val="accent4"/>
+          </a:fillRef>
+          <a:effectRef idx="0">
+            <a:schemeClr val="accent4"/>
+          </a:effectRef>
+          <a:fontRef idx="minor">
+            <a:schemeClr val="lt1"/>
+          </a:fontRef>
+        </p:style>
+        <p:txBody>
+          <a:bodyPr rtlCol="0" anchor="t" anchorCtr="0"/>
+          <a:lstStyle/>
+          <a:p>
+            <a:pPr algn="ctr"/>
+            <a:r>
+              <a:rPr kumimoji="1" lang="en-US" altLang="ja-JP" sz="1100" b="1" u="sng">
+                <a:solidFill>
+                  <a:schemeClr val="accent4">
+                    <a:lumMod val="75000"/>
+                  </a:schemeClr>
+                </a:solidFill>
+              </a:rPr>
+              <a:t>X</a:t>
+            </a:r>
+          </a:p>
+        </p:txBody>
+      </p:sp>
+      <p:sp>
+        <p:nvSpPr>
+          <p:cNvPr id="102" name="正方形/長方形 101">
+            <a:extLst>
+              <a:ext uri="{FF2B5EF4-FFF2-40B4-BE49-F238E27FC236}">
+                <a16:creationId xmlns:a16="http://schemas.microsoft.com/office/drawing/2014/main" id="{A11557F2-565D-4C8F-88F4-4D7FF2098885}"/>
+              </a:ext>
+            </a:extLst>
+          </p:cNvPr>
+          <p:cNvSpPr/>
+          <p:nvPr/>
+        </p:nvSpPr>
+        <p:spPr>
+          <a:xfrm>
+            <a:off x="5156871" y="5492473"/>
+            <a:ext cx="299720" cy="249487"/>
+          </a:xfrm>
+          <a:prstGeom prst="rect">
+            <a:avLst/>
+          </a:prstGeom>
+          <a:noFill/>
+          <a:ln w="28575">
+            <a:solidFill>
+              <a:srgbClr val="FF0000"/>
+            </a:solidFill>
+          </a:ln>
+        </p:spPr>
+        <p:style>
+          <a:lnRef idx="2">
+            <a:schemeClr val="accent1">
+              <a:shade val="50000"/>
+            </a:schemeClr>
+          </a:lnRef>
+          <a:fillRef idx="1">
+            <a:schemeClr val="accent1"/>
+          </a:fillRef>
+          <a:effectRef idx="0">
+            <a:schemeClr val="accent1"/>
+          </a:effectRef>
+          <a:fontRef idx="minor">
+            <a:schemeClr val="lt1"/>
+          </a:fontRef>
+        </p:style>
+        <p:txBody>
+          <a:bodyPr rtlCol="0" anchor="t" anchorCtr="0"/>
+          <a:lstStyle/>
+          <a:p>
+            <a:pPr algn="ctr"/>
+            <a:r>
+              <a:rPr lang="en-US" altLang="ja-JP" sz="1400">
+                <a:solidFill>
+                  <a:srgbClr val="FF0000"/>
+                </a:solidFill>
+              </a:rPr>
+              <a:t>A</a:t>
+            </a:r>
+            <a:endParaRPr kumimoji="1" lang="ja-JP" altLang="en-US" sz="1400">
+              <a:solidFill>
+                <a:srgbClr val="FF0000"/>
+              </a:solidFill>
+            </a:endParaRPr>
+          </a:p>
+        </p:txBody>
+      </p:sp>
+      <p:sp>
+        <p:nvSpPr>
+          <p:cNvPr id="103" name="正方形/長方形 102">
+            <a:extLst>
+              <a:ext uri="{FF2B5EF4-FFF2-40B4-BE49-F238E27FC236}">
+                <a16:creationId xmlns:a16="http://schemas.microsoft.com/office/drawing/2014/main" id="{10B33117-DB60-4193-9D40-F944F977719E}"/>
+              </a:ext>
+            </a:extLst>
+          </p:cNvPr>
+          <p:cNvSpPr/>
+          <p:nvPr/>
+        </p:nvSpPr>
+        <p:spPr>
+          <a:xfrm>
+            <a:off x="5571213" y="5494854"/>
+            <a:ext cx="299720" cy="249487"/>
+          </a:xfrm>
+          <a:prstGeom prst="rect">
+            <a:avLst/>
+          </a:prstGeom>
+          <a:noFill/>
+          <a:ln w="28575">
+            <a:solidFill>
+              <a:srgbClr val="FF0000"/>
+            </a:solidFill>
+          </a:ln>
+        </p:spPr>
+        <p:style>
+          <a:lnRef idx="2">
+            <a:schemeClr val="accent1">
+              <a:shade val="50000"/>
+            </a:schemeClr>
+          </a:lnRef>
+          <a:fillRef idx="1">
+            <a:schemeClr val="accent1"/>
+          </a:fillRef>
+          <a:effectRef idx="0">
+            <a:schemeClr val="accent1"/>
+          </a:effectRef>
+          <a:fontRef idx="minor">
+            <a:schemeClr val="lt1"/>
+          </a:fontRef>
+        </p:style>
+        <p:txBody>
+          <a:bodyPr rtlCol="0" anchor="t" anchorCtr="0"/>
+          <a:lstStyle/>
+          <a:p>
+            <a:pPr algn="ctr"/>
+            <a:r>
+              <a:rPr lang="en-US" altLang="ja-JP" sz="1400">
+                <a:solidFill>
+                  <a:srgbClr val="FF0000"/>
+                </a:solidFill>
+              </a:rPr>
+              <a:t>B</a:t>
+            </a:r>
+            <a:endParaRPr kumimoji="1" lang="ja-JP" altLang="en-US" sz="1400">
+              <a:solidFill>
+                <a:srgbClr val="FF0000"/>
+              </a:solidFill>
+            </a:endParaRPr>
+          </a:p>
+        </p:txBody>
+      </p:sp>
+      <p:cxnSp>
+        <p:nvCxnSpPr>
+          <p:cNvPr id="104" name="直線矢印コネクタ 103">
+            <a:extLst>
+              <a:ext uri="{FF2B5EF4-FFF2-40B4-BE49-F238E27FC236}">
+                <a16:creationId xmlns:a16="http://schemas.microsoft.com/office/drawing/2014/main" id="{D29DC921-1760-41E3-9D62-2D21F1B86249}"/>
+              </a:ext>
+            </a:extLst>
+          </p:cNvPr>
+          <p:cNvCxnSpPr>
+            <a:cxnSpLocks/>
+            <a:stCxn id="102" idx="3"/>
+            <a:endCxn id="103" idx="1"/>
+          </p:cNvCxnSpPr>
+          <p:nvPr/>
+        </p:nvCxnSpPr>
+        <p:spPr>
+          <a:xfrm>
+            <a:off x="5456591" y="5617217"/>
+            <a:ext cx="114622" cy="2381"/>
+          </a:xfrm>
+          <a:prstGeom prst="straightConnector1">
+            <a:avLst/>
+          </a:prstGeom>
+          <a:ln w="9525">
+            <a:solidFill>
+              <a:srgbClr val="FF0000"/>
+            </a:solidFill>
+            <a:headEnd type="none" w="med" len="med"/>
+            <a:tailEnd type="arrow" w="sm" len="sm"/>
+          </a:ln>
+        </p:spPr>
+        <p:style>
+          <a:lnRef idx="1">
+            <a:schemeClr val="accent1"/>
+          </a:lnRef>
+          <a:fillRef idx="0">
+            <a:schemeClr val="accent1"/>
+          </a:fillRef>
+          <a:effectRef idx="0">
+            <a:schemeClr val="accent1"/>
+          </a:effectRef>
+          <a:fontRef idx="minor">
+            <a:schemeClr val="tx1"/>
+          </a:fontRef>
+        </p:style>
+      </p:cxnSp>
+      <p:sp>
+        <p:nvSpPr>
+          <p:cNvPr id="105" name="正方形/長方形 104">
+            <a:extLst>
+              <a:ext uri="{FF2B5EF4-FFF2-40B4-BE49-F238E27FC236}">
+                <a16:creationId xmlns:a16="http://schemas.microsoft.com/office/drawing/2014/main" id="{D97C8E84-D9BD-4FE1-81CC-B5C094ECC28B}"/>
+              </a:ext>
+            </a:extLst>
+          </p:cNvPr>
+          <p:cNvSpPr/>
+          <p:nvPr/>
+        </p:nvSpPr>
+        <p:spPr>
+          <a:xfrm>
+            <a:off x="5081243" y="5855284"/>
+            <a:ext cx="862342" cy="152335"/>
+          </a:xfrm>
+          <a:prstGeom prst="rect">
+            <a:avLst/>
+          </a:prstGeom>
+          <a:noFill/>
+          <a:ln>
+            <a:solidFill>
+              <a:srgbClr val="00B050"/>
+            </a:solidFill>
+            <a:prstDash val="dash"/>
+          </a:ln>
+        </p:spPr>
+        <p:style>
+          <a:lnRef idx="2">
+            <a:schemeClr val="accent1">
+              <a:shade val="50000"/>
+            </a:schemeClr>
+          </a:lnRef>
+          <a:fillRef idx="1">
+            <a:schemeClr val="accent1"/>
+          </a:fillRef>
+          <a:effectRef idx="0">
+            <a:schemeClr val="accent1"/>
+          </a:effectRef>
+          <a:fontRef idx="minor">
+            <a:schemeClr val="lt1"/>
+          </a:fontRef>
+        </p:style>
+        <p:txBody>
+          <a:bodyPr rtlCol="0" anchor="ctr"/>
+          <a:lstStyle/>
+          <a:p>
+            <a:pPr algn="ctr"/>
+            <a:endParaRPr kumimoji="1" lang="ja-JP" altLang="en-US"/>
+          </a:p>
+        </p:txBody>
+      </p:sp>
+    </p:spTree>
+    <p:extLst>
+      <p:ext uri="{BB962C8B-B14F-4D97-AF65-F5344CB8AC3E}">
+        <p14:creationId xmlns:p14="http://schemas.microsoft.com/office/powerpoint/2010/main" val="2830925591"/>
+      </p:ext>
+    </p:extLst>
+  </p:cSld>
+  <p:clrMapOvr>
+    <a:masterClrMapping/>
+  </p:clrMapOvr>
+</p:sld>
+</file>
+
+<file path=ppt/slides/slide2.xml><?xml version="1.0" encoding="utf-8"?>
+<p:sld xmlns:a="http://schemas.openxmlformats.org/drawingml/2006/main" xmlns:r="http://schemas.openxmlformats.org/officeDocument/2006/relationships" xmlns:p="http://schemas.openxmlformats.org/presentationml/2006/main">
+  <p:cSld>
+    <p:spTree>
+      <p:nvGrpSpPr>
+        <p:cNvPr id="1" name=""/>
+        <p:cNvGrpSpPr/>
+        <p:nvPr/>
+      </p:nvGrpSpPr>
+      <p:grpSpPr>
+        <a:xfrm>
+          <a:off x="0" y="0"/>
+          <a:ext cx="0" cy="0"/>
+          <a:chOff x="0" y="0"/>
+          <a:chExt cx="0" cy="0"/>
+        </a:xfrm>
+      </p:grpSpPr>
+      <p:sp>
+        <p:nvSpPr>
           <p:cNvPr id="32" name="四角形: 角を丸くする 31">
             <a:extLst>
               <a:ext uri="{FF2B5EF4-FFF2-40B4-BE49-F238E27FC236}">

--- a/TonoJit/@Doc/Jit Model Class Design.pptx
+++ b/TonoJit/@Doc/Jit Model Class Design.pptx
@@ -3666,7 +3666,7 @@
                   </a:schemeClr>
                 </a:solidFill>
               </a:rPr>
-              <a:t>StageSubset</a:t>
+              <a:t>Subset</a:t>
             </a:r>
             <a:r>
               <a:rPr kumimoji="1" lang="ja-JP" altLang="en-US" b="1" u="sng">

--- a/TonoJit/@Doc/Jit Model Class Design.pptx
+++ b/TonoJit/@Doc/Jit Model Class Design.pptx
@@ -5,7 +5,8 @@
     <p:sldMasterId id="2147483648" r:id="rId1"/>
   </p:sldMasterIdLst>
   <p:sldIdLst>
-    <p:sldId id="256" r:id="rId2"/>
+    <p:sldId id="257" r:id="rId2"/>
+    <p:sldId id="256" r:id="rId3"/>
   </p:sldIdLst>
   <p:sldSz cx="12192000" cy="6858000"/>
   <p:notesSz cx="6858000" cy="9144000"/>
@@ -259,7 +260,7 @@
           <a:p>
             <a:fld id="{2A76511F-EB6F-49BF-8568-06D4416883FE}" type="datetimeFigureOut">
               <a:rPr kumimoji="1" lang="ja-JP" altLang="en-US" smtClean="0"/>
-              <a:t>2020/2/5</a:t>
+              <a:t>2020/2/10</a:t>
             </a:fld>
             <a:endParaRPr kumimoji="1" lang="ja-JP" altLang="en-US"/>
           </a:p>
@@ -489,7 +490,7 @@
           <a:p>
             <a:fld id="{2A76511F-EB6F-49BF-8568-06D4416883FE}" type="datetimeFigureOut">
               <a:rPr kumimoji="1" lang="ja-JP" altLang="en-US" smtClean="0"/>
-              <a:t>2020/2/5</a:t>
+              <a:t>2020/2/10</a:t>
             </a:fld>
             <a:endParaRPr kumimoji="1" lang="ja-JP" altLang="en-US"/>
           </a:p>
@@ -729,7 +730,7 @@
           <a:p>
             <a:fld id="{2A76511F-EB6F-49BF-8568-06D4416883FE}" type="datetimeFigureOut">
               <a:rPr kumimoji="1" lang="ja-JP" altLang="en-US" smtClean="0"/>
-              <a:t>2020/2/5</a:t>
+              <a:t>2020/2/10</a:t>
             </a:fld>
             <a:endParaRPr kumimoji="1" lang="ja-JP" altLang="en-US"/>
           </a:p>
@@ -959,7 +960,7 @@
           <a:p>
             <a:fld id="{2A76511F-EB6F-49BF-8568-06D4416883FE}" type="datetimeFigureOut">
               <a:rPr kumimoji="1" lang="ja-JP" altLang="en-US" smtClean="0"/>
-              <a:t>2020/2/5</a:t>
+              <a:t>2020/2/10</a:t>
             </a:fld>
             <a:endParaRPr kumimoji="1" lang="ja-JP" altLang="en-US"/>
           </a:p>
@@ -1234,7 +1235,7 @@
           <a:p>
             <a:fld id="{2A76511F-EB6F-49BF-8568-06D4416883FE}" type="datetimeFigureOut">
               <a:rPr kumimoji="1" lang="ja-JP" altLang="en-US" smtClean="0"/>
-              <a:t>2020/2/5</a:t>
+              <a:t>2020/2/10</a:t>
             </a:fld>
             <a:endParaRPr kumimoji="1" lang="ja-JP" altLang="en-US"/>
           </a:p>
@@ -1563,7 +1564,7 @@
           <a:p>
             <a:fld id="{2A76511F-EB6F-49BF-8568-06D4416883FE}" type="datetimeFigureOut">
               <a:rPr kumimoji="1" lang="ja-JP" altLang="en-US" smtClean="0"/>
-              <a:t>2020/2/5</a:t>
+              <a:t>2020/2/10</a:t>
             </a:fld>
             <a:endParaRPr kumimoji="1" lang="ja-JP" altLang="en-US"/>
           </a:p>
@@ -2039,7 +2040,7 @@
           <a:p>
             <a:fld id="{2A76511F-EB6F-49BF-8568-06D4416883FE}" type="datetimeFigureOut">
               <a:rPr kumimoji="1" lang="ja-JP" altLang="en-US" smtClean="0"/>
-              <a:t>2020/2/5</a:t>
+              <a:t>2020/2/10</a:t>
             </a:fld>
             <a:endParaRPr kumimoji="1" lang="ja-JP" altLang="en-US"/>
           </a:p>
@@ -2180,7 +2181,7 @@
           <a:p>
             <a:fld id="{2A76511F-EB6F-49BF-8568-06D4416883FE}" type="datetimeFigureOut">
               <a:rPr kumimoji="1" lang="ja-JP" altLang="en-US" smtClean="0"/>
-              <a:t>2020/2/5</a:t>
+              <a:t>2020/2/10</a:t>
             </a:fld>
             <a:endParaRPr kumimoji="1" lang="ja-JP" altLang="en-US"/>
           </a:p>
@@ -2293,7 +2294,7 @@
           <a:p>
             <a:fld id="{2A76511F-EB6F-49BF-8568-06D4416883FE}" type="datetimeFigureOut">
               <a:rPr kumimoji="1" lang="ja-JP" altLang="en-US" smtClean="0"/>
-              <a:t>2020/2/5</a:t>
+              <a:t>2020/2/10</a:t>
             </a:fld>
             <a:endParaRPr kumimoji="1" lang="ja-JP" altLang="en-US"/>
           </a:p>
@@ -2636,7 +2637,7 @@
           <a:p>
             <a:fld id="{2A76511F-EB6F-49BF-8568-06D4416883FE}" type="datetimeFigureOut">
               <a:rPr kumimoji="1" lang="ja-JP" altLang="en-US" smtClean="0"/>
-              <a:t>2020/2/5</a:t>
+              <a:t>2020/2/10</a:t>
             </a:fld>
             <a:endParaRPr kumimoji="1" lang="ja-JP" altLang="en-US"/>
           </a:p>
@@ -2924,7 +2925,7 @@
           <a:p>
             <a:fld id="{2A76511F-EB6F-49BF-8568-06D4416883FE}" type="datetimeFigureOut">
               <a:rPr kumimoji="1" lang="ja-JP" altLang="en-US" smtClean="0"/>
-              <a:t>2020/2/5</a:t>
+              <a:t>2020/2/10</a:t>
             </a:fld>
             <a:endParaRPr kumimoji="1" lang="ja-JP" altLang="en-US"/>
           </a:p>
@@ -3197,7 +3198,7 @@
           <a:p>
             <a:fld id="{2A76511F-EB6F-49BF-8568-06D4416883FE}" type="datetimeFigureOut">
               <a:rPr kumimoji="1" lang="ja-JP" altLang="en-US" smtClean="0"/>
-              <a:t>2020/2/5</a:t>
+              <a:t>2020/2/10</a:t>
             </a:fld>
             <a:endParaRPr kumimoji="1" lang="ja-JP" altLang="en-US"/>
           </a:p>
@@ -3616,6 +3617,1957 @@
       </p:grpSpPr>
       <p:sp>
         <p:nvSpPr>
+          <p:cNvPr id="78" name="四角形: 角を丸くする 77">
+            <a:extLst>
+              <a:ext uri="{FF2B5EF4-FFF2-40B4-BE49-F238E27FC236}">
+                <a16:creationId xmlns:a16="http://schemas.microsoft.com/office/drawing/2014/main" id="{938CDCA5-8B7E-44E6-9C82-F956B4C67E2C}"/>
+              </a:ext>
+            </a:extLst>
+          </p:cNvPr>
+          <p:cNvSpPr/>
+          <p:nvPr/>
+        </p:nvSpPr>
+        <p:spPr>
+          <a:xfrm>
+            <a:off x="1371600" y="1136655"/>
+            <a:ext cx="5723468" cy="2722033"/>
+          </a:xfrm>
+          <a:prstGeom prst="roundRect">
+            <a:avLst/>
+          </a:prstGeom>
+          <a:noFill/>
+        </p:spPr>
+        <p:style>
+          <a:lnRef idx="2">
+            <a:schemeClr val="accent4">
+              <a:shade val="50000"/>
+            </a:schemeClr>
+          </a:lnRef>
+          <a:fillRef idx="1">
+            <a:schemeClr val="accent4"/>
+          </a:fillRef>
+          <a:effectRef idx="0">
+            <a:schemeClr val="accent4"/>
+          </a:effectRef>
+          <a:fontRef idx="minor">
+            <a:schemeClr val="lt1"/>
+          </a:fontRef>
+        </p:style>
+        <p:txBody>
+          <a:bodyPr rtlCol="0" anchor="t" anchorCtr="0"/>
+          <a:lstStyle/>
+          <a:p>
+            <a:pPr algn="ctr"/>
+            <a:r>
+              <a:rPr kumimoji="1" lang="en-US" altLang="ja-JP" b="1" u="sng">
+                <a:solidFill>
+                  <a:schemeClr val="accent4">
+                    <a:lumMod val="75000"/>
+                  </a:schemeClr>
+                </a:solidFill>
+              </a:rPr>
+              <a:t>Subset</a:t>
+            </a:r>
+            <a:r>
+              <a:rPr kumimoji="1" lang="ja-JP" altLang="en-US" b="1" u="sng">
+                <a:solidFill>
+                  <a:schemeClr val="accent4">
+                    <a:lumMod val="75000"/>
+                  </a:schemeClr>
+                </a:solidFill>
+              </a:rPr>
+              <a:t>：</a:t>
+            </a:r>
+            <a:r>
+              <a:rPr kumimoji="1" lang="en-US" altLang="ja-JP" b="1" u="sng">
+                <a:solidFill>
+                  <a:schemeClr val="accent4">
+                    <a:lumMod val="75000"/>
+                  </a:schemeClr>
+                </a:solidFill>
+              </a:rPr>
+              <a:t>X</a:t>
+            </a:r>
+          </a:p>
+        </p:txBody>
+      </p:sp>
+      <p:sp>
+        <p:nvSpPr>
+          <p:cNvPr id="79" name="正方形/長方形 78">
+            <a:extLst>
+              <a:ext uri="{FF2B5EF4-FFF2-40B4-BE49-F238E27FC236}">
+                <a16:creationId xmlns:a16="http://schemas.microsoft.com/office/drawing/2014/main" id="{33C9F47A-A31E-4CBC-A0F5-CD49B7A484CA}"/>
+              </a:ext>
+            </a:extLst>
+          </p:cNvPr>
+          <p:cNvSpPr/>
+          <p:nvPr/>
+        </p:nvSpPr>
+        <p:spPr>
+          <a:xfrm>
+            <a:off x="1886861" y="1748435"/>
+            <a:ext cx="1038682" cy="1038682"/>
+          </a:xfrm>
+          <a:prstGeom prst="rect">
+            <a:avLst/>
+          </a:prstGeom>
+          <a:noFill/>
+          <a:ln w="57150">
+            <a:solidFill>
+              <a:srgbClr val="FF0000"/>
+            </a:solidFill>
+          </a:ln>
+        </p:spPr>
+        <p:style>
+          <a:lnRef idx="2">
+            <a:schemeClr val="accent1">
+              <a:shade val="50000"/>
+            </a:schemeClr>
+          </a:lnRef>
+          <a:fillRef idx="1">
+            <a:schemeClr val="accent1"/>
+          </a:fillRef>
+          <a:effectRef idx="0">
+            <a:schemeClr val="accent1"/>
+          </a:effectRef>
+          <a:fontRef idx="minor">
+            <a:schemeClr val="lt1"/>
+          </a:fontRef>
+        </p:style>
+        <p:txBody>
+          <a:bodyPr rtlCol="0" anchor="t" anchorCtr="0"/>
+          <a:lstStyle/>
+          <a:p>
+            <a:pPr algn="ctr"/>
+            <a:r>
+              <a:rPr lang="en-US" altLang="ja-JP">
+                <a:solidFill>
+                  <a:srgbClr val="FF0000"/>
+                </a:solidFill>
+              </a:rPr>
+              <a:t>Process</a:t>
+            </a:r>
+          </a:p>
+          <a:p>
+            <a:pPr algn="ctr"/>
+            <a:r>
+              <a:rPr kumimoji="1" lang="en-US" altLang="ja-JP">
+                <a:solidFill>
+                  <a:srgbClr val="FF0000"/>
+                </a:solidFill>
+              </a:rPr>
+              <a:t>A</a:t>
+            </a:r>
+            <a:endParaRPr kumimoji="1" lang="ja-JP" altLang="en-US">
+              <a:solidFill>
+                <a:srgbClr val="FF0000"/>
+              </a:solidFill>
+            </a:endParaRPr>
+          </a:p>
+        </p:txBody>
+      </p:sp>
+      <p:sp>
+        <p:nvSpPr>
+          <p:cNvPr id="80" name="正方形/長方形 79">
+            <a:extLst>
+              <a:ext uri="{FF2B5EF4-FFF2-40B4-BE49-F238E27FC236}">
+                <a16:creationId xmlns:a16="http://schemas.microsoft.com/office/drawing/2014/main" id="{4F952B83-D103-47FC-AF3D-C598DFD90F02}"/>
+              </a:ext>
+            </a:extLst>
+          </p:cNvPr>
+          <p:cNvSpPr/>
+          <p:nvPr/>
+        </p:nvSpPr>
+        <p:spPr>
+          <a:xfrm>
+            <a:off x="3465013" y="1748435"/>
+            <a:ext cx="1038682" cy="1038682"/>
+          </a:xfrm>
+          <a:prstGeom prst="rect">
+            <a:avLst/>
+          </a:prstGeom>
+          <a:noFill/>
+          <a:ln w="57150">
+            <a:solidFill>
+              <a:srgbClr val="FF0000"/>
+            </a:solidFill>
+          </a:ln>
+        </p:spPr>
+        <p:style>
+          <a:lnRef idx="2">
+            <a:schemeClr val="accent1">
+              <a:shade val="50000"/>
+            </a:schemeClr>
+          </a:lnRef>
+          <a:fillRef idx="1">
+            <a:schemeClr val="accent1"/>
+          </a:fillRef>
+          <a:effectRef idx="0">
+            <a:schemeClr val="accent1"/>
+          </a:effectRef>
+          <a:fontRef idx="minor">
+            <a:schemeClr val="lt1"/>
+          </a:fontRef>
+        </p:style>
+        <p:txBody>
+          <a:bodyPr rtlCol="0" anchor="t" anchorCtr="0"/>
+          <a:lstStyle/>
+          <a:p>
+            <a:pPr algn="ctr"/>
+            <a:r>
+              <a:rPr lang="en-US" altLang="ja-JP">
+                <a:solidFill>
+                  <a:srgbClr val="FF0000"/>
+                </a:solidFill>
+              </a:rPr>
+              <a:t>Process</a:t>
+            </a:r>
+          </a:p>
+          <a:p>
+            <a:pPr algn="ctr"/>
+            <a:r>
+              <a:rPr kumimoji="1" lang="en-US" altLang="ja-JP">
+                <a:solidFill>
+                  <a:srgbClr val="FF0000"/>
+                </a:solidFill>
+              </a:rPr>
+              <a:t>B</a:t>
+            </a:r>
+            <a:endParaRPr kumimoji="1" lang="ja-JP" altLang="en-US">
+              <a:solidFill>
+                <a:srgbClr val="FF0000"/>
+              </a:solidFill>
+            </a:endParaRPr>
+          </a:p>
+        </p:txBody>
+      </p:sp>
+      <p:cxnSp>
+        <p:nvCxnSpPr>
+          <p:cNvPr id="81" name="直線矢印コネクタ 80">
+            <a:extLst>
+              <a:ext uri="{FF2B5EF4-FFF2-40B4-BE49-F238E27FC236}">
+                <a16:creationId xmlns:a16="http://schemas.microsoft.com/office/drawing/2014/main" id="{898E728C-CAC9-426C-8433-7A1C1ECCAB89}"/>
+              </a:ext>
+            </a:extLst>
+          </p:cNvPr>
+          <p:cNvCxnSpPr>
+            <a:stCxn id="79" idx="3"/>
+            <a:endCxn id="80" idx="1"/>
+          </p:cNvCxnSpPr>
+          <p:nvPr/>
+        </p:nvCxnSpPr>
+        <p:spPr>
+          <a:xfrm>
+            <a:off x="2925543" y="2267776"/>
+            <a:ext cx="539470" cy="0"/>
+          </a:xfrm>
+          <a:prstGeom prst="straightConnector1">
+            <a:avLst/>
+          </a:prstGeom>
+          <a:ln w="38100">
+            <a:solidFill>
+              <a:srgbClr val="00B050"/>
+            </a:solidFill>
+            <a:headEnd type="none" w="med" len="med"/>
+            <a:tailEnd type="arrow" w="med" len="med"/>
+          </a:ln>
+        </p:spPr>
+        <p:style>
+          <a:lnRef idx="1">
+            <a:schemeClr val="accent1"/>
+          </a:lnRef>
+          <a:fillRef idx="0">
+            <a:schemeClr val="accent1"/>
+          </a:fillRef>
+          <a:effectRef idx="0">
+            <a:schemeClr val="accent1"/>
+          </a:effectRef>
+          <a:fontRef idx="minor">
+            <a:schemeClr val="tx1"/>
+          </a:fontRef>
+        </p:style>
+      </p:cxnSp>
+      <p:sp>
+        <p:nvSpPr>
+          <p:cNvPr id="83" name="テキスト ボックス 82">
+            <a:extLst>
+              <a:ext uri="{FF2B5EF4-FFF2-40B4-BE49-F238E27FC236}">
+                <a16:creationId xmlns:a16="http://schemas.microsoft.com/office/drawing/2014/main" id="{E7D4B050-A0BB-4FEF-B83B-3C836968B9B0}"/>
+              </a:ext>
+            </a:extLst>
+          </p:cNvPr>
+          <p:cNvSpPr txBox="1"/>
+          <p:nvPr/>
+        </p:nvSpPr>
+        <p:spPr>
+          <a:xfrm>
+            <a:off x="3653751" y="744397"/>
+            <a:ext cx="1459054" cy="276999"/>
+          </a:xfrm>
+          <a:prstGeom prst="rect">
+            <a:avLst/>
+          </a:prstGeom>
+          <a:noFill/>
+        </p:spPr>
+        <p:txBody>
+          <a:bodyPr wrap="none" rtlCol="0">
+            <a:spAutoFit/>
+          </a:bodyPr>
+          <a:lstStyle/>
+          <a:p>
+            <a:r>
+              <a:rPr kumimoji="1" lang="en-US" altLang="ja-JP" sz="1200">
+                <a:solidFill>
+                  <a:srgbClr val="FF0000"/>
+                </a:solidFill>
+              </a:rPr>
+              <a:t>Default Push Link</a:t>
+            </a:r>
+            <a:endParaRPr kumimoji="1" lang="ja-JP" altLang="en-US" sz="1200">
+              <a:solidFill>
+                <a:srgbClr val="FF0000"/>
+              </a:solidFill>
+            </a:endParaRPr>
+          </a:p>
+        </p:txBody>
+      </p:sp>
+      <p:cxnSp>
+        <p:nvCxnSpPr>
+          <p:cNvPr id="84" name="直線コネクタ 83">
+            <a:extLst>
+              <a:ext uri="{FF2B5EF4-FFF2-40B4-BE49-F238E27FC236}">
+                <a16:creationId xmlns:a16="http://schemas.microsoft.com/office/drawing/2014/main" id="{55B9FA70-D8FC-4050-8832-64F5E1FF96D6}"/>
+              </a:ext>
+            </a:extLst>
+          </p:cNvPr>
+          <p:cNvCxnSpPr>
+            <a:cxnSpLocks/>
+          </p:cNvCxnSpPr>
+          <p:nvPr/>
+        </p:nvCxnSpPr>
+        <p:spPr>
+          <a:xfrm flipV="1">
+            <a:off x="3141133" y="971556"/>
+            <a:ext cx="1238250" cy="1276350"/>
+          </a:xfrm>
+          <a:prstGeom prst="line">
+            <a:avLst/>
+          </a:prstGeom>
+          <a:ln>
+            <a:solidFill>
+              <a:srgbClr val="FFC000"/>
+            </a:solidFill>
+          </a:ln>
+        </p:spPr>
+        <p:style>
+          <a:lnRef idx="1">
+            <a:schemeClr val="accent1"/>
+          </a:lnRef>
+          <a:fillRef idx="0">
+            <a:schemeClr val="accent1"/>
+          </a:fillRef>
+          <a:effectRef idx="0">
+            <a:schemeClr val="accent1"/>
+          </a:effectRef>
+          <a:fontRef idx="minor">
+            <a:schemeClr val="tx1"/>
+          </a:fontRef>
+        </p:style>
+      </p:cxnSp>
+      <p:sp>
+        <p:nvSpPr>
+          <p:cNvPr id="45" name="テキスト ボックス 44">
+            <a:extLst>
+              <a:ext uri="{FF2B5EF4-FFF2-40B4-BE49-F238E27FC236}">
+                <a16:creationId xmlns:a16="http://schemas.microsoft.com/office/drawing/2014/main" id="{5EDCDD5B-66CC-44DC-8AE0-1C46373D7AA9}"/>
+              </a:ext>
+            </a:extLst>
+          </p:cNvPr>
+          <p:cNvSpPr txBox="1"/>
+          <p:nvPr/>
+        </p:nvSpPr>
+        <p:spPr>
+          <a:xfrm>
+            <a:off x="5141645" y="2109406"/>
+            <a:ext cx="1274708" cy="276999"/>
+          </a:xfrm>
+          <a:prstGeom prst="rect">
+            <a:avLst/>
+          </a:prstGeom>
+          <a:noFill/>
+        </p:spPr>
+        <p:txBody>
+          <a:bodyPr wrap="none" rtlCol="0">
+            <a:spAutoFit/>
+          </a:bodyPr>
+          <a:lstStyle/>
+          <a:p>
+            <a:r>
+              <a:rPr kumimoji="1" lang="en-US" altLang="ja-JP" sz="1200">
+                <a:solidFill>
+                  <a:srgbClr val="FF0000"/>
+                </a:solidFill>
+              </a:rPr>
+              <a:t>ExitProcess</a:t>
+            </a:r>
+            <a:r>
+              <a:rPr kumimoji="1" lang="ja-JP" altLang="en-US" sz="1200">
+                <a:solidFill>
+                  <a:srgbClr val="FF0000"/>
+                </a:solidFill>
+              </a:rPr>
+              <a:t>＝</a:t>
+            </a:r>
+            <a:r>
+              <a:rPr kumimoji="1" lang="en-US" altLang="ja-JP" sz="1200">
+                <a:solidFill>
+                  <a:srgbClr val="FF0000"/>
+                </a:solidFill>
+              </a:rPr>
+              <a:t>B</a:t>
+            </a:r>
+            <a:endParaRPr kumimoji="1" lang="ja-JP" altLang="en-US" sz="1200">
+              <a:solidFill>
+                <a:srgbClr val="FF0000"/>
+              </a:solidFill>
+            </a:endParaRPr>
+          </a:p>
+        </p:txBody>
+      </p:sp>
+      <p:sp>
+        <p:nvSpPr>
+          <p:cNvPr id="47" name="テキスト ボックス 46">
+            <a:extLst>
+              <a:ext uri="{FF2B5EF4-FFF2-40B4-BE49-F238E27FC236}">
+                <a16:creationId xmlns:a16="http://schemas.microsoft.com/office/drawing/2014/main" id="{AF7F2382-355F-43C7-AA32-7B6FB078FF50}"/>
+              </a:ext>
+            </a:extLst>
+          </p:cNvPr>
+          <p:cNvSpPr txBox="1"/>
+          <p:nvPr/>
+        </p:nvSpPr>
+        <p:spPr>
+          <a:xfrm>
+            <a:off x="343317" y="2109406"/>
+            <a:ext cx="1391728" cy="276999"/>
+          </a:xfrm>
+          <a:prstGeom prst="rect">
+            <a:avLst/>
+          </a:prstGeom>
+          <a:noFill/>
+        </p:spPr>
+        <p:txBody>
+          <a:bodyPr wrap="none" rtlCol="0">
+            <a:spAutoFit/>
+          </a:bodyPr>
+          <a:lstStyle/>
+          <a:p>
+            <a:r>
+              <a:rPr kumimoji="1" lang="en-US" altLang="ja-JP" sz="1200">
+                <a:solidFill>
+                  <a:srgbClr val="FF0000"/>
+                </a:solidFill>
+              </a:rPr>
+              <a:t>EnterProcess</a:t>
+            </a:r>
+            <a:r>
+              <a:rPr kumimoji="1" lang="ja-JP" altLang="en-US" sz="1200">
+                <a:solidFill>
+                  <a:srgbClr val="FF0000"/>
+                </a:solidFill>
+              </a:rPr>
+              <a:t>＝</a:t>
+            </a:r>
+            <a:r>
+              <a:rPr kumimoji="1" lang="en-US" altLang="ja-JP" sz="1200">
+                <a:solidFill>
+                  <a:srgbClr val="FF0000"/>
+                </a:solidFill>
+              </a:rPr>
+              <a:t>A</a:t>
+            </a:r>
+            <a:endParaRPr kumimoji="1" lang="ja-JP" altLang="en-US" sz="1200">
+              <a:solidFill>
+                <a:srgbClr val="FF0000"/>
+              </a:solidFill>
+            </a:endParaRPr>
+          </a:p>
+        </p:txBody>
+      </p:sp>
+      <p:sp>
+        <p:nvSpPr>
+          <p:cNvPr id="2" name="正方形/長方形 1">
+            <a:extLst>
+              <a:ext uri="{FF2B5EF4-FFF2-40B4-BE49-F238E27FC236}">
+                <a16:creationId xmlns:a16="http://schemas.microsoft.com/office/drawing/2014/main" id="{572360F0-24E6-4603-9634-D08E53DFF249}"/>
+              </a:ext>
+            </a:extLst>
+          </p:cNvPr>
+          <p:cNvSpPr/>
+          <p:nvPr/>
+        </p:nvSpPr>
+        <p:spPr>
+          <a:xfrm>
+            <a:off x="1498600" y="3071289"/>
+            <a:ext cx="5093348" cy="579962"/>
+          </a:xfrm>
+          <a:prstGeom prst="rect">
+            <a:avLst/>
+          </a:prstGeom>
+          <a:noFill/>
+          <a:ln>
+            <a:solidFill>
+              <a:srgbClr val="00B050"/>
+            </a:solidFill>
+            <a:prstDash val="dash"/>
+          </a:ln>
+        </p:spPr>
+        <p:style>
+          <a:lnRef idx="2">
+            <a:schemeClr val="accent1">
+              <a:shade val="50000"/>
+            </a:schemeClr>
+          </a:lnRef>
+          <a:fillRef idx="1">
+            <a:schemeClr val="accent1"/>
+          </a:fillRef>
+          <a:effectRef idx="0">
+            <a:schemeClr val="accent1"/>
+          </a:effectRef>
+          <a:fontRef idx="minor">
+            <a:schemeClr val="lt1"/>
+          </a:fontRef>
+        </p:style>
+        <p:txBody>
+          <a:bodyPr rtlCol="0" anchor="ctr"/>
+          <a:lstStyle/>
+          <a:p>
+            <a:pPr algn="ctr"/>
+            <a:endParaRPr kumimoji="1" lang="ja-JP" altLang="en-US"/>
+          </a:p>
+        </p:txBody>
+      </p:sp>
+      <p:sp>
+        <p:nvSpPr>
+          <p:cNvPr id="48" name="テキスト ボックス 47">
+            <a:extLst>
+              <a:ext uri="{FF2B5EF4-FFF2-40B4-BE49-F238E27FC236}">
+                <a16:creationId xmlns:a16="http://schemas.microsoft.com/office/drawing/2014/main" id="{8B310CF3-A322-497E-9381-64B999DE8417}"/>
+              </a:ext>
+            </a:extLst>
+          </p:cNvPr>
+          <p:cNvSpPr txBox="1"/>
+          <p:nvPr/>
+        </p:nvSpPr>
+        <p:spPr>
+          <a:xfrm>
+            <a:off x="6591948" y="3220656"/>
+            <a:ext cx="1059906" cy="276999"/>
+          </a:xfrm>
+          <a:prstGeom prst="rect">
+            <a:avLst/>
+          </a:prstGeom>
+          <a:noFill/>
+        </p:spPr>
+        <p:txBody>
+          <a:bodyPr wrap="none" rtlCol="0">
+            <a:spAutoFit/>
+          </a:bodyPr>
+          <a:lstStyle/>
+          <a:p>
+            <a:r>
+              <a:rPr kumimoji="1" lang="en-US" altLang="ja-JP" sz="1200" b="1">
+                <a:solidFill>
+                  <a:schemeClr val="accent6"/>
+                </a:solidFill>
+              </a:rPr>
+              <a:t>ClassModel</a:t>
+            </a:r>
+            <a:endParaRPr kumimoji="1" lang="ja-JP" altLang="en-US" sz="1200" b="1">
+              <a:solidFill>
+                <a:schemeClr val="accent6"/>
+              </a:solidFill>
+            </a:endParaRPr>
+          </a:p>
+        </p:txBody>
+      </p:sp>
+      <p:sp>
+        <p:nvSpPr>
+          <p:cNvPr id="56" name="テキスト ボックス 55">
+            <a:extLst>
+              <a:ext uri="{FF2B5EF4-FFF2-40B4-BE49-F238E27FC236}">
+                <a16:creationId xmlns:a16="http://schemas.microsoft.com/office/drawing/2014/main" id="{B822B0C8-653E-4E60-AC1C-42D83BE27709}"/>
+              </a:ext>
+            </a:extLst>
+          </p:cNvPr>
+          <p:cNvSpPr txBox="1"/>
+          <p:nvPr/>
+        </p:nvSpPr>
+        <p:spPr>
+          <a:xfrm>
+            <a:off x="1471766" y="3066806"/>
+            <a:ext cx="1141659" cy="553998"/>
+          </a:xfrm>
+          <a:prstGeom prst="rect">
+            <a:avLst/>
+          </a:prstGeom>
+          <a:noFill/>
+        </p:spPr>
+        <p:txBody>
+          <a:bodyPr wrap="square" rtlCol="0">
+            <a:spAutoFit/>
+          </a:bodyPr>
+          <a:lstStyle/>
+          <a:p>
+            <a:r>
+              <a:rPr lang="en-US" altLang="ja-JP" sz="1000" b="1"/>
+              <a:t>ProcsAdd()</a:t>
+            </a:r>
+          </a:p>
+          <a:p>
+            <a:r>
+              <a:rPr lang="en-US" altLang="ja-JP" sz="1000" b="1"/>
+              <a:t>ProcsRemove()</a:t>
+            </a:r>
+          </a:p>
+          <a:p>
+            <a:r>
+              <a:rPr lang="en-US" altLang="ja-JP" sz="1000" b="1"/>
+              <a:t>FindProcess()</a:t>
+            </a:r>
+          </a:p>
+        </p:txBody>
+      </p:sp>
+      <p:sp>
+        <p:nvSpPr>
+          <p:cNvPr id="65" name="テキスト ボックス 64">
+            <a:extLst>
+              <a:ext uri="{FF2B5EF4-FFF2-40B4-BE49-F238E27FC236}">
+                <a16:creationId xmlns:a16="http://schemas.microsoft.com/office/drawing/2014/main" id="{88A93311-9393-4498-BFC6-92B911A5092E}"/>
+              </a:ext>
+            </a:extLst>
+          </p:cNvPr>
+          <p:cNvSpPr txBox="1"/>
+          <p:nvPr/>
+        </p:nvSpPr>
+        <p:spPr>
+          <a:xfrm>
+            <a:off x="2468762" y="3066806"/>
+            <a:ext cx="2037737" cy="400110"/>
+          </a:xfrm>
+          <a:prstGeom prst="rect">
+            <a:avLst/>
+          </a:prstGeom>
+          <a:noFill/>
+        </p:spPr>
+        <p:txBody>
+          <a:bodyPr wrap="none" rtlCol="0">
+            <a:spAutoFit/>
+          </a:bodyPr>
+          <a:lstStyle/>
+          <a:p>
+            <a:r>
+              <a:rPr lang="en-US" altLang="ja-JP" sz="1000" b="1"/>
+              <a:t>Add/RemoveWorkInReserve()</a:t>
+            </a:r>
+          </a:p>
+          <a:p>
+            <a:r>
+              <a:rPr lang="en-US" altLang="ja-JP" sz="1000" b="1"/>
+              <a:t>GetWorkInReserve()</a:t>
+            </a:r>
+          </a:p>
+        </p:txBody>
+      </p:sp>
+      <p:sp>
+        <p:nvSpPr>
+          <p:cNvPr id="67" name="テキスト ボックス 66">
+            <a:extLst>
+              <a:ext uri="{FF2B5EF4-FFF2-40B4-BE49-F238E27FC236}">
+                <a16:creationId xmlns:a16="http://schemas.microsoft.com/office/drawing/2014/main" id="{1E40C963-6EEC-486E-930F-CCFCFBC65455}"/>
+              </a:ext>
+            </a:extLst>
+          </p:cNvPr>
+          <p:cNvSpPr txBox="1"/>
+          <p:nvPr/>
+        </p:nvSpPr>
+        <p:spPr>
+          <a:xfrm>
+            <a:off x="4457792" y="3066806"/>
+            <a:ext cx="1896673" cy="553998"/>
+          </a:xfrm>
+          <a:prstGeom prst="rect">
+            <a:avLst/>
+          </a:prstGeom>
+          <a:noFill/>
+        </p:spPr>
+        <p:txBody>
+          <a:bodyPr wrap="none" rtlCol="0">
+            <a:spAutoFit/>
+          </a:bodyPr>
+          <a:lstStyle/>
+          <a:p>
+            <a:r>
+              <a:rPr lang="en-US" altLang="ja-JP" sz="1000" b="1"/>
+              <a:t>Enter/ExitWorkToProcess()</a:t>
+            </a:r>
+          </a:p>
+          <a:p>
+            <a:r>
+              <a:rPr lang="en-US" altLang="ja-JP" sz="1000" b="1"/>
+              <a:t>GetWorks()</a:t>
+            </a:r>
+          </a:p>
+          <a:p>
+            <a:r>
+              <a:rPr lang="en-US" altLang="ja-JP" sz="1000" b="1"/>
+              <a:t>Add/GetProcessLink</a:t>
+            </a:r>
+            <a:r>
+              <a:rPr lang="en-US" altLang="ja-JP" sz="1000" b="1" u="sng"/>
+              <a:t>s</a:t>
+            </a:r>
+            <a:r>
+              <a:rPr lang="en-US" altLang="ja-JP" sz="1000" b="1"/>
+              <a:t>()</a:t>
+            </a:r>
+          </a:p>
+        </p:txBody>
+      </p:sp>
+      <p:sp>
+        <p:nvSpPr>
+          <p:cNvPr id="75" name="正方形/長方形 74">
+            <a:extLst>
+              <a:ext uri="{FF2B5EF4-FFF2-40B4-BE49-F238E27FC236}">
+                <a16:creationId xmlns:a16="http://schemas.microsoft.com/office/drawing/2014/main" id="{126B9F37-4FA6-40B0-B776-34B3AEE34C42}"/>
+              </a:ext>
+            </a:extLst>
+          </p:cNvPr>
+          <p:cNvSpPr/>
+          <p:nvPr/>
+        </p:nvSpPr>
+        <p:spPr>
+          <a:xfrm>
+            <a:off x="833602" y="3071289"/>
+            <a:ext cx="359834" cy="579962"/>
+          </a:xfrm>
+          <a:prstGeom prst="rect">
+            <a:avLst/>
+          </a:prstGeom>
+          <a:noFill/>
+          <a:ln>
+            <a:solidFill>
+              <a:srgbClr val="00B050"/>
+            </a:solidFill>
+            <a:prstDash val="solid"/>
+          </a:ln>
+        </p:spPr>
+        <p:style>
+          <a:lnRef idx="2">
+            <a:schemeClr val="accent1">
+              <a:shade val="50000"/>
+            </a:schemeClr>
+          </a:lnRef>
+          <a:fillRef idx="1">
+            <a:schemeClr val="accent1"/>
+          </a:fillRef>
+          <a:effectRef idx="0">
+            <a:schemeClr val="accent1"/>
+          </a:effectRef>
+          <a:fontRef idx="minor">
+            <a:schemeClr val="lt1"/>
+          </a:fontRef>
+        </p:style>
+        <p:txBody>
+          <a:bodyPr rtlCol="0" anchor="ctr"/>
+          <a:lstStyle/>
+          <a:p>
+            <a:pPr algn="ctr"/>
+            <a:endParaRPr kumimoji="1" lang="ja-JP" altLang="en-US"/>
+          </a:p>
+        </p:txBody>
+      </p:sp>
+      <p:sp>
+        <p:nvSpPr>
+          <p:cNvPr id="11" name="矢印: 右 10">
+            <a:extLst>
+              <a:ext uri="{FF2B5EF4-FFF2-40B4-BE49-F238E27FC236}">
+                <a16:creationId xmlns:a16="http://schemas.microsoft.com/office/drawing/2014/main" id="{10351F01-8AB0-4B7D-AF91-6D7726341EF4}"/>
+              </a:ext>
+            </a:extLst>
+          </p:cNvPr>
+          <p:cNvSpPr/>
+          <p:nvPr/>
+        </p:nvSpPr>
+        <p:spPr>
+          <a:xfrm>
+            <a:off x="1228349" y="3285066"/>
+            <a:ext cx="243417" cy="212589"/>
+          </a:xfrm>
+          <a:prstGeom prst="rightArrow">
+            <a:avLst/>
+          </a:prstGeom>
+          <a:solidFill>
+            <a:schemeClr val="bg1"/>
+          </a:solidFill>
+        </p:spPr>
+        <p:style>
+          <a:lnRef idx="2">
+            <a:schemeClr val="accent1">
+              <a:shade val="50000"/>
+            </a:schemeClr>
+          </a:lnRef>
+          <a:fillRef idx="1">
+            <a:schemeClr val="accent1"/>
+          </a:fillRef>
+          <a:effectRef idx="0">
+            <a:schemeClr val="accent1"/>
+          </a:effectRef>
+          <a:fontRef idx="minor">
+            <a:schemeClr val="lt1"/>
+          </a:fontRef>
+        </p:style>
+        <p:txBody>
+          <a:bodyPr rtlCol="0" anchor="ctr"/>
+          <a:lstStyle/>
+          <a:p>
+            <a:pPr algn="ctr"/>
+            <a:endParaRPr kumimoji="1" lang="ja-JP" altLang="en-US"/>
+          </a:p>
+        </p:txBody>
+      </p:sp>
+      <p:sp>
+        <p:nvSpPr>
+          <p:cNvPr id="82" name="テキスト ボックス 81">
+            <a:extLst>
+              <a:ext uri="{FF2B5EF4-FFF2-40B4-BE49-F238E27FC236}">
+                <a16:creationId xmlns:a16="http://schemas.microsoft.com/office/drawing/2014/main" id="{2FBE9E0A-A006-4BD4-BBCD-BE145E4862AA}"/>
+              </a:ext>
+            </a:extLst>
+          </p:cNvPr>
+          <p:cNvSpPr txBox="1"/>
+          <p:nvPr/>
+        </p:nvSpPr>
+        <p:spPr>
+          <a:xfrm>
+            <a:off x="823617" y="3230034"/>
+            <a:ext cx="344966" cy="276999"/>
+          </a:xfrm>
+          <a:prstGeom prst="rect">
+            <a:avLst/>
+          </a:prstGeom>
+          <a:noFill/>
+        </p:spPr>
+        <p:txBody>
+          <a:bodyPr wrap="none" rtlCol="0">
+            <a:spAutoFit/>
+          </a:bodyPr>
+          <a:lstStyle/>
+          <a:p>
+            <a:r>
+              <a:rPr kumimoji="1" lang="en-US" altLang="ja-JP" sz="1200">
+                <a:solidFill>
+                  <a:schemeClr val="accent6"/>
+                </a:solidFill>
+              </a:rPr>
+              <a:t>DI</a:t>
+            </a:r>
+            <a:endParaRPr kumimoji="1" lang="ja-JP" altLang="en-US" sz="1200">
+              <a:solidFill>
+                <a:schemeClr val="accent6"/>
+              </a:solidFill>
+            </a:endParaRPr>
+          </a:p>
+        </p:txBody>
+      </p:sp>
+      <p:sp>
+        <p:nvSpPr>
+          <p:cNvPr id="30" name="テキスト ボックス 29">
+            <a:extLst>
+              <a:ext uri="{FF2B5EF4-FFF2-40B4-BE49-F238E27FC236}">
+                <a16:creationId xmlns:a16="http://schemas.microsoft.com/office/drawing/2014/main" id="{7F8CBE7A-34EB-48B4-9B86-ADA78DAF09EE}"/>
+              </a:ext>
+            </a:extLst>
+          </p:cNvPr>
+          <p:cNvSpPr txBox="1"/>
+          <p:nvPr/>
+        </p:nvSpPr>
+        <p:spPr>
+          <a:xfrm>
+            <a:off x="133008" y="181925"/>
+            <a:ext cx="3071625" cy="369332"/>
+          </a:xfrm>
+          <a:prstGeom prst="rect">
+            <a:avLst/>
+          </a:prstGeom>
+          <a:noFill/>
+        </p:spPr>
+        <p:txBody>
+          <a:bodyPr wrap="square" rtlCol="0">
+            <a:spAutoFit/>
+          </a:bodyPr>
+          <a:lstStyle/>
+          <a:p>
+            <a:r>
+              <a:rPr kumimoji="1" lang="en-US" altLang="ja-JP" b="1" u="sng"/>
+              <a:t>NEST STAGE DESIGN</a:t>
+            </a:r>
+            <a:endParaRPr kumimoji="1" lang="ja-JP" altLang="en-US" b="1" u="sng"/>
+          </a:p>
+        </p:txBody>
+      </p:sp>
+      <p:sp>
+        <p:nvSpPr>
+          <p:cNvPr id="50" name="四角形: 角を丸くする 49">
+            <a:extLst>
+              <a:ext uri="{FF2B5EF4-FFF2-40B4-BE49-F238E27FC236}">
+                <a16:creationId xmlns:a16="http://schemas.microsoft.com/office/drawing/2014/main" id="{98B098E7-6C42-4D85-8884-AFA927774691}"/>
+              </a:ext>
+            </a:extLst>
+          </p:cNvPr>
+          <p:cNvSpPr/>
+          <p:nvPr/>
+        </p:nvSpPr>
+        <p:spPr>
+          <a:xfrm>
+            <a:off x="2334661" y="4616558"/>
+            <a:ext cx="4081692" cy="2059517"/>
+          </a:xfrm>
+          <a:prstGeom prst="roundRect">
+            <a:avLst/>
+          </a:prstGeom>
+          <a:noFill/>
+        </p:spPr>
+        <p:style>
+          <a:lnRef idx="2">
+            <a:schemeClr val="accent4">
+              <a:shade val="50000"/>
+            </a:schemeClr>
+          </a:lnRef>
+          <a:fillRef idx="1">
+            <a:schemeClr val="accent4"/>
+          </a:fillRef>
+          <a:effectRef idx="0">
+            <a:schemeClr val="accent4"/>
+          </a:effectRef>
+          <a:fontRef idx="minor">
+            <a:schemeClr val="lt1"/>
+          </a:fontRef>
+        </p:style>
+        <p:txBody>
+          <a:bodyPr rtlCol="0" anchor="t" anchorCtr="0"/>
+          <a:lstStyle/>
+          <a:p>
+            <a:pPr algn="ctr"/>
+            <a:r>
+              <a:rPr lang="en-US" altLang="ja-JP" b="1" u="sng">
+                <a:solidFill>
+                  <a:schemeClr val="accent4">
+                    <a:lumMod val="75000"/>
+                  </a:schemeClr>
+                </a:solidFill>
+              </a:rPr>
+              <a:t>Stage </a:t>
+            </a:r>
+            <a:r>
+              <a:rPr kumimoji="1" lang="en-US" altLang="ja-JP" b="1" u="sng">
+                <a:solidFill>
+                  <a:schemeClr val="accent4">
+                    <a:lumMod val="75000"/>
+                  </a:schemeClr>
+                </a:solidFill>
+              </a:rPr>
+              <a:t>: st</a:t>
+            </a:r>
+          </a:p>
+        </p:txBody>
+      </p:sp>
+      <p:sp>
+        <p:nvSpPr>
+          <p:cNvPr id="51" name="四角形: 角を丸くする 50">
+            <a:extLst>
+              <a:ext uri="{FF2B5EF4-FFF2-40B4-BE49-F238E27FC236}">
+                <a16:creationId xmlns:a16="http://schemas.microsoft.com/office/drawing/2014/main" id="{BD8AEEBF-43BB-4D9B-8C6E-57A2ABB01FB8}"/>
+              </a:ext>
+            </a:extLst>
+          </p:cNvPr>
+          <p:cNvSpPr/>
+          <p:nvPr/>
+        </p:nvSpPr>
+        <p:spPr>
+          <a:xfrm>
+            <a:off x="2721416" y="5139848"/>
+            <a:ext cx="1082539" cy="948993"/>
+          </a:xfrm>
+          <a:prstGeom prst="roundRect">
+            <a:avLst/>
+          </a:prstGeom>
+          <a:noFill/>
+        </p:spPr>
+        <p:style>
+          <a:lnRef idx="2">
+            <a:schemeClr val="accent4">
+              <a:shade val="50000"/>
+            </a:schemeClr>
+          </a:lnRef>
+          <a:fillRef idx="1">
+            <a:schemeClr val="accent4"/>
+          </a:fillRef>
+          <a:effectRef idx="0">
+            <a:schemeClr val="accent4"/>
+          </a:effectRef>
+          <a:fontRef idx="minor">
+            <a:schemeClr val="lt1"/>
+          </a:fontRef>
+        </p:style>
+        <p:txBody>
+          <a:bodyPr rtlCol="0" anchor="t" anchorCtr="0"/>
+          <a:lstStyle/>
+          <a:p>
+            <a:pPr algn="ctr"/>
+            <a:r>
+              <a:rPr kumimoji="1" lang="en-US" altLang="ja-JP" sz="1100" b="1" u="sng">
+                <a:solidFill>
+                  <a:schemeClr val="accent4">
+                    <a:lumMod val="75000"/>
+                  </a:schemeClr>
+                </a:solidFill>
+              </a:rPr>
+              <a:t>X</a:t>
+            </a:r>
+          </a:p>
+        </p:txBody>
+      </p:sp>
+      <p:sp>
+        <p:nvSpPr>
+          <p:cNvPr id="55" name="正方形/長方形 54">
+            <a:extLst>
+              <a:ext uri="{FF2B5EF4-FFF2-40B4-BE49-F238E27FC236}">
+                <a16:creationId xmlns:a16="http://schemas.microsoft.com/office/drawing/2014/main" id="{6E37B20A-2443-4795-A956-81C121668BD5}"/>
+              </a:ext>
+            </a:extLst>
+          </p:cNvPr>
+          <p:cNvSpPr/>
+          <p:nvPr/>
+        </p:nvSpPr>
+        <p:spPr>
+          <a:xfrm>
+            <a:off x="2919686" y="5492473"/>
+            <a:ext cx="299720" cy="249487"/>
+          </a:xfrm>
+          <a:prstGeom prst="rect">
+            <a:avLst/>
+          </a:prstGeom>
+          <a:noFill/>
+          <a:ln w="28575">
+            <a:solidFill>
+              <a:srgbClr val="FF0000"/>
+            </a:solidFill>
+          </a:ln>
+        </p:spPr>
+        <p:style>
+          <a:lnRef idx="2">
+            <a:schemeClr val="accent1">
+              <a:shade val="50000"/>
+            </a:schemeClr>
+          </a:lnRef>
+          <a:fillRef idx="1">
+            <a:schemeClr val="accent1"/>
+          </a:fillRef>
+          <a:effectRef idx="0">
+            <a:schemeClr val="accent1"/>
+          </a:effectRef>
+          <a:fontRef idx="minor">
+            <a:schemeClr val="lt1"/>
+          </a:fontRef>
+        </p:style>
+        <p:txBody>
+          <a:bodyPr rtlCol="0" anchor="t" anchorCtr="0"/>
+          <a:lstStyle/>
+          <a:p>
+            <a:pPr algn="ctr"/>
+            <a:r>
+              <a:rPr lang="en-US" altLang="ja-JP" sz="1400">
+                <a:solidFill>
+                  <a:srgbClr val="FF0000"/>
+                </a:solidFill>
+              </a:rPr>
+              <a:t>A</a:t>
+            </a:r>
+            <a:endParaRPr kumimoji="1" lang="ja-JP" altLang="en-US" sz="1400">
+              <a:solidFill>
+                <a:srgbClr val="FF0000"/>
+              </a:solidFill>
+            </a:endParaRPr>
+          </a:p>
+        </p:txBody>
+      </p:sp>
+      <p:sp>
+        <p:nvSpPr>
+          <p:cNvPr id="60" name="正方形/長方形 59">
+            <a:extLst>
+              <a:ext uri="{FF2B5EF4-FFF2-40B4-BE49-F238E27FC236}">
+                <a16:creationId xmlns:a16="http://schemas.microsoft.com/office/drawing/2014/main" id="{B1AA9C6C-223F-45DA-AC1E-8DAA9436770B}"/>
+              </a:ext>
+            </a:extLst>
+          </p:cNvPr>
+          <p:cNvSpPr/>
+          <p:nvPr/>
+        </p:nvSpPr>
+        <p:spPr>
+          <a:xfrm>
+            <a:off x="3334028" y="5494854"/>
+            <a:ext cx="299720" cy="249487"/>
+          </a:xfrm>
+          <a:prstGeom prst="rect">
+            <a:avLst/>
+          </a:prstGeom>
+          <a:noFill/>
+          <a:ln w="28575">
+            <a:solidFill>
+              <a:srgbClr val="FF0000"/>
+            </a:solidFill>
+          </a:ln>
+        </p:spPr>
+        <p:style>
+          <a:lnRef idx="2">
+            <a:schemeClr val="accent1">
+              <a:shade val="50000"/>
+            </a:schemeClr>
+          </a:lnRef>
+          <a:fillRef idx="1">
+            <a:schemeClr val="accent1"/>
+          </a:fillRef>
+          <a:effectRef idx="0">
+            <a:schemeClr val="accent1"/>
+          </a:effectRef>
+          <a:fontRef idx="minor">
+            <a:schemeClr val="lt1"/>
+          </a:fontRef>
+        </p:style>
+        <p:txBody>
+          <a:bodyPr rtlCol="0" anchor="t" anchorCtr="0"/>
+          <a:lstStyle/>
+          <a:p>
+            <a:pPr algn="ctr"/>
+            <a:r>
+              <a:rPr lang="en-US" altLang="ja-JP" sz="1400">
+                <a:solidFill>
+                  <a:srgbClr val="FF0000"/>
+                </a:solidFill>
+              </a:rPr>
+              <a:t>B</a:t>
+            </a:r>
+            <a:endParaRPr kumimoji="1" lang="ja-JP" altLang="en-US" sz="1400">
+              <a:solidFill>
+                <a:srgbClr val="FF0000"/>
+              </a:solidFill>
+            </a:endParaRPr>
+          </a:p>
+        </p:txBody>
+      </p:sp>
+      <p:cxnSp>
+        <p:nvCxnSpPr>
+          <p:cNvPr id="62" name="直線矢印コネクタ 61">
+            <a:extLst>
+              <a:ext uri="{FF2B5EF4-FFF2-40B4-BE49-F238E27FC236}">
+                <a16:creationId xmlns:a16="http://schemas.microsoft.com/office/drawing/2014/main" id="{6BBEAB72-68CE-401F-9839-4FE239F79870}"/>
+              </a:ext>
+            </a:extLst>
+          </p:cNvPr>
+          <p:cNvCxnSpPr>
+            <a:cxnSpLocks/>
+            <a:stCxn id="55" idx="3"/>
+            <a:endCxn id="60" idx="1"/>
+          </p:cNvCxnSpPr>
+          <p:nvPr/>
+        </p:nvCxnSpPr>
+        <p:spPr>
+          <a:xfrm>
+            <a:off x="3219406" y="5617217"/>
+            <a:ext cx="114622" cy="2381"/>
+          </a:xfrm>
+          <a:prstGeom prst="straightConnector1">
+            <a:avLst/>
+          </a:prstGeom>
+          <a:ln w="9525">
+            <a:solidFill>
+              <a:srgbClr val="FF0000"/>
+            </a:solidFill>
+            <a:headEnd type="none" w="med" len="med"/>
+            <a:tailEnd type="arrow" w="sm" len="sm"/>
+          </a:ln>
+        </p:spPr>
+        <p:style>
+          <a:lnRef idx="1">
+            <a:schemeClr val="accent1"/>
+          </a:lnRef>
+          <a:fillRef idx="0">
+            <a:schemeClr val="accent1"/>
+          </a:fillRef>
+          <a:effectRef idx="0">
+            <a:schemeClr val="accent1"/>
+          </a:effectRef>
+          <a:fontRef idx="minor">
+            <a:schemeClr val="tx1"/>
+          </a:fontRef>
+        </p:style>
+      </p:cxnSp>
+      <p:sp>
+        <p:nvSpPr>
+          <p:cNvPr id="69" name="正方形/長方形 68">
+            <a:extLst>
+              <a:ext uri="{FF2B5EF4-FFF2-40B4-BE49-F238E27FC236}">
+                <a16:creationId xmlns:a16="http://schemas.microsoft.com/office/drawing/2014/main" id="{59BE0FE6-C835-4FA1-A0D5-FDB4331579F5}"/>
+              </a:ext>
+            </a:extLst>
+          </p:cNvPr>
+          <p:cNvSpPr/>
+          <p:nvPr/>
+        </p:nvSpPr>
+        <p:spPr>
+          <a:xfrm>
+            <a:off x="2844058" y="5855284"/>
+            <a:ext cx="862342" cy="152335"/>
+          </a:xfrm>
+          <a:prstGeom prst="rect">
+            <a:avLst/>
+          </a:prstGeom>
+          <a:noFill/>
+          <a:ln>
+            <a:solidFill>
+              <a:srgbClr val="00B050"/>
+            </a:solidFill>
+            <a:prstDash val="dash"/>
+          </a:ln>
+        </p:spPr>
+        <p:style>
+          <a:lnRef idx="2">
+            <a:schemeClr val="accent1">
+              <a:shade val="50000"/>
+            </a:schemeClr>
+          </a:lnRef>
+          <a:fillRef idx="1">
+            <a:schemeClr val="accent1"/>
+          </a:fillRef>
+          <a:effectRef idx="0">
+            <a:schemeClr val="accent1"/>
+          </a:effectRef>
+          <a:fontRef idx="minor">
+            <a:schemeClr val="lt1"/>
+          </a:fontRef>
+        </p:style>
+        <p:txBody>
+          <a:bodyPr rtlCol="0" anchor="ctr"/>
+          <a:lstStyle/>
+          <a:p>
+            <a:pPr algn="ctr"/>
+            <a:endParaRPr kumimoji="1" lang="ja-JP" altLang="en-US"/>
+          </a:p>
+        </p:txBody>
+      </p:sp>
+      <p:sp>
+        <p:nvSpPr>
+          <p:cNvPr id="74" name="正方形/長方形 73">
+            <a:extLst>
+              <a:ext uri="{FF2B5EF4-FFF2-40B4-BE49-F238E27FC236}">
+                <a16:creationId xmlns:a16="http://schemas.microsoft.com/office/drawing/2014/main" id="{735CDD91-EA59-4E4E-85A4-560C9CC275D0}"/>
+              </a:ext>
+            </a:extLst>
+          </p:cNvPr>
+          <p:cNvSpPr/>
+          <p:nvPr/>
+        </p:nvSpPr>
+        <p:spPr>
+          <a:xfrm>
+            <a:off x="2735342" y="6246281"/>
+            <a:ext cx="3305797" cy="319929"/>
+          </a:xfrm>
+          <a:prstGeom prst="rect">
+            <a:avLst/>
+          </a:prstGeom>
+          <a:noFill/>
+          <a:ln w="28575">
+            <a:solidFill>
+              <a:srgbClr val="00B0F0"/>
+            </a:solidFill>
+            <a:prstDash val="dash"/>
+          </a:ln>
+        </p:spPr>
+        <p:style>
+          <a:lnRef idx="2">
+            <a:schemeClr val="accent1">
+              <a:shade val="50000"/>
+            </a:schemeClr>
+          </a:lnRef>
+          <a:fillRef idx="1">
+            <a:schemeClr val="accent1"/>
+          </a:fillRef>
+          <a:effectRef idx="0">
+            <a:schemeClr val="accent1"/>
+          </a:effectRef>
+          <a:fontRef idx="minor">
+            <a:schemeClr val="lt1"/>
+          </a:fontRef>
+        </p:style>
+        <p:txBody>
+          <a:bodyPr rtlCol="0" anchor="ctr"/>
+          <a:lstStyle/>
+          <a:p>
+            <a:pPr algn="ctr"/>
+            <a:endParaRPr kumimoji="1" lang="ja-JP" altLang="en-US"/>
+          </a:p>
+        </p:txBody>
+      </p:sp>
+      <p:sp>
+        <p:nvSpPr>
+          <p:cNvPr id="92" name="正方形/長方形 91">
+            <a:extLst>
+              <a:ext uri="{FF2B5EF4-FFF2-40B4-BE49-F238E27FC236}">
+                <a16:creationId xmlns:a16="http://schemas.microsoft.com/office/drawing/2014/main" id="{47AF566D-65CB-4CD6-B72E-6164FD91E0BD}"/>
+              </a:ext>
+            </a:extLst>
+          </p:cNvPr>
+          <p:cNvSpPr/>
+          <p:nvPr/>
+        </p:nvSpPr>
+        <p:spPr>
+          <a:xfrm>
+            <a:off x="4266707" y="5494854"/>
+            <a:ext cx="299720" cy="249487"/>
+          </a:xfrm>
+          <a:prstGeom prst="rect">
+            <a:avLst/>
+          </a:prstGeom>
+          <a:noFill/>
+          <a:ln w="28575">
+            <a:solidFill>
+              <a:srgbClr val="FF0000"/>
+            </a:solidFill>
+          </a:ln>
+        </p:spPr>
+        <p:style>
+          <a:lnRef idx="2">
+            <a:schemeClr val="accent1">
+              <a:shade val="50000"/>
+            </a:schemeClr>
+          </a:lnRef>
+          <a:fillRef idx="1">
+            <a:schemeClr val="accent1"/>
+          </a:fillRef>
+          <a:effectRef idx="0">
+            <a:schemeClr val="accent1"/>
+          </a:effectRef>
+          <a:fontRef idx="minor">
+            <a:schemeClr val="lt1"/>
+          </a:fontRef>
+        </p:style>
+        <p:txBody>
+          <a:bodyPr rtlCol="0" anchor="t" anchorCtr="0"/>
+          <a:lstStyle/>
+          <a:p>
+            <a:pPr algn="ctr"/>
+            <a:r>
+              <a:rPr lang="en-US" altLang="ja-JP" sz="1400">
+                <a:solidFill>
+                  <a:srgbClr val="FF0000"/>
+                </a:solidFill>
+              </a:rPr>
+              <a:t>C</a:t>
+            </a:r>
+            <a:endParaRPr kumimoji="1" lang="ja-JP" altLang="en-US" sz="1400">
+              <a:solidFill>
+                <a:srgbClr val="FF0000"/>
+              </a:solidFill>
+            </a:endParaRPr>
+          </a:p>
+        </p:txBody>
+      </p:sp>
+      <p:cxnSp>
+        <p:nvCxnSpPr>
+          <p:cNvPr id="93" name="直線コネクタ 92">
+            <a:extLst>
+              <a:ext uri="{FF2B5EF4-FFF2-40B4-BE49-F238E27FC236}">
+                <a16:creationId xmlns:a16="http://schemas.microsoft.com/office/drawing/2014/main" id="{C9A2A3DE-4BB9-41D6-9E5B-E055957ED695}"/>
+              </a:ext>
+            </a:extLst>
+          </p:cNvPr>
+          <p:cNvCxnSpPr>
+            <a:cxnSpLocks/>
+          </p:cNvCxnSpPr>
+          <p:nvPr/>
+        </p:nvCxnSpPr>
+        <p:spPr>
+          <a:xfrm>
+            <a:off x="2059414" y="4839969"/>
+            <a:ext cx="899686" cy="413137"/>
+          </a:xfrm>
+          <a:prstGeom prst="line">
+            <a:avLst/>
+          </a:prstGeom>
+        </p:spPr>
+        <p:style>
+          <a:lnRef idx="1">
+            <a:schemeClr val="accent1"/>
+          </a:lnRef>
+          <a:fillRef idx="0">
+            <a:schemeClr val="accent1"/>
+          </a:fillRef>
+          <a:effectRef idx="0">
+            <a:schemeClr val="accent1"/>
+          </a:effectRef>
+          <a:fontRef idx="minor">
+            <a:schemeClr val="tx1"/>
+          </a:fontRef>
+        </p:style>
+      </p:cxnSp>
+      <p:sp>
+        <p:nvSpPr>
+          <p:cNvPr id="94" name="テキスト ボックス 93">
+            <a:extLst>
+              <a:ext uri="{FF2B5EF4-FFF2-40B4-BE49-F238E27FC236}">
+                <a16:creationId xmlns:a16="http://schemas.microsoft.com/office/drawing/2014/main" id="{207A67A8-D215-4449-8DA3-BBD57817E497}"/>
+              </a:ext>
+            </a:extLst>
+          </p:cNvPr>
+          <p:cNvSpPr txBox="1"/>
+          <p:nvPr/>
+        </p:nvSpPr>
+        <p:spPr>
+          <a:xfrm>
+            <a:off x="1662710" y="4572349"/>
+            <a:ext cx="628698" cy="276999"/>
+          </a:xfrm>
+          <a:prstGeom prst="rect">
+            <a:avLst/>
+          </a:prstGeom>
+          <a:noFill/>
+        </p:spPr>
+        <p:txBody>
+          <a:bodyPr wrap="none" rtlCol="0">
+            <a:spAutoFit/>
+          </a:bodyPr>
+          <a:lstStyle/>
+          <a:p>
+            <a:r>
+              <a:rPr kumimoji="1" lang="en-US" altLang="ja-JP" sz="1200">
+                <a:solidFill>
+                  <a:schemeClr val="accent1"/>
+                </a:solidFill>
+              </a:rPr>
+              <a:t>Model</a:t>
+            </a:r>
+            <a:endParaRPr kumimoji="1" lang="ja-JP" altLang="en-US" sz="1200">
+              <a:solidFill>
+                <a:schemeClr val="accent1"/>
+              </a:solidFill>
+            </a:endParaRPr>
+          </a:p>
+        </p:txBody>
+      </p:sp>
+      <p:cxnSp>
+        <p:nvCxnSpPr>
+          <p:cNvPr id="97" name="直線コネクタ 96">
+            <a:extLst>
+              <a:ext uri="{FF2B5EF4-FFF2-40B4-BE49-F238E27FC236}">
+                <a16:creationId xmlns:a16="http://schemas.microsoft.com/office/drawing/2014/main" id="{83D28A9E-6B71-44BA-8711-18F0FD95859A}"/>
+              </a:ext>
+            </a:extLst>
+          </p:cNvPr>
+          <p:cNvCxnSpPr>
+            <a:cxnSpLocks/>
+            <a:stCxn id="7" idx="6"/>
+            <a:endCxn id="74" idx="1"/>
+          </p:cNvCxnSpPr>
+          <p:nvPr/>
+        </p:nvCxnSpPr>
+        <p:spPr>
+          <a:xfrm>
+            <a:off x="1062106" y="6177241"/>
+            <a:ext cx="1673236" cy="229005"/>
+          </a:xfrm>
+          <a:prstGeom prst="line">
+            <a:avLst/>
+          </a:prstGeom>
+          <a:ln w="28575">
+            <a:headEnd type="none" w="med" len="med"/>
+            <a:tailEnd type="arrow" w="med" len="med"/>
+          </a:ln>
+        </p:spPr>
+        <p:style>
+          <a:lnRef idx="1">
+            <a:schemeClr val="accent1"/>
+          </a:lnRef>
+          <a:fillRef idx="0">
+            <a:schemeClr val="accent1"/>
+          </a:fillRef>
+          <a:effectRef idx="0">
+            <a:schemeClr val="accent1"/>
+          </a:effectRef>
+          <a:fontRef idx="minor">
+            <a:schemeClr val="tx1"/>
+          </a:fontRef>
+        </p:style>
+      </p:cxnSp>
+      <p:sp>
+        <p:nvSpPr>
+          <p:cNvPr id="99" name="テキスト ボックス 98">
+            <a:extLst>
+              <a:ext uri="{FF2B5EF4-FFF2-40B4-BE49-F238E27FC236}">
+                <a16:creationId xmlns:a16="http://schemas.microsoft.com/office/drawing/2014/main" id="{9F2D3599-7C89-4ABA-912F-33144536DF7C}"/>
+              </a:ext>
+            </a:extLst>
+          </p:cNvPr>
+          <p:cNvSpPr txBox="1"/>
+          <p:nvPr/>
+        </p:nvSpPr>
+        <p:spPr>
+          <a:xfrm>
+            <a:off x="1662710" y="5730620"/>
+            <a:ext cx="670376" cy="276999"/>
+          </a:xfrm>
+          <a:prstGeom prst="rect">
+            <a:avLst/>
+          </a:prstGeom>
+          <a:noFill/>
+        </p:spPr>
+        <p:txBody>
+          <a:bodyPr wrap="none" rtlCol="0">
+            <a:spAutoFit/>
+          </a:bodyPr>
+          <a:lstStyle/>
+          <a:p>
+            <a:r>
+              <a:rPr kumimoji="1" lang="en-US" altLang="ja-JP" sz="1200">
+                <a:solidFill>
+                  <a:schemeClr val="accent1"/>
+                </a:solidFill>
+              </a:rPr>
+              <a:t>Engine</a:t>
+            </a:r>
+            <a:endParaRPr kumimoji="1" lang="ja-JP" altLang="en-US" sz="1200">
+              <a:solidFill>
+                <a:schemeClr val="accent1"/>
+              </a:solidFill>
+            </a:endParaRPr>
+          </a:p>
+        </p:txBody>
+      </p:sp>
+      <p:sp>
+        <p:nvSpPr>
+          <p:cNvPr id="7" name="楕円 6">
+            <a:extLst>
+              <a:ext uri="{FF2B5EF4-FFF2-40B4-BE49-F238E27FC236}">
+                <a16:creationId xmlns:a16="http://schemas.microsoft.com/office/drawing/2014/main" id="{19E19EE2-734A-43BD-A081-98F2E3DEF2F2}"/>
+              </a:ext>
+            </a:extLst>
+          </p:cNvPr>
+          <p:cNvSpPr/>
+          <p:nvPr/>
+        </p:nvSpPr>
+        <p:spPr>
+          <a:xfrm>
+            <a:off x="613833" y="5953104"/>
+            <a:ext cx="448273" cy="448273"/>
+          </a:xfrm>
+          <a:prstGeom prst="ellipse">
+            <a:avLst/>
+          </a:prstGeom>
+          <a:solidFill>
+            <a:srgbClr val="66FFFF"/>
+          </a:solidFill>
+        </p:spPr>
+        <p:style>
+          <a:lnRef idx="2">
+            <a:schemeClr val="accent1">
+              <a:shade val="50000"/>
+            </a:schemeClr>
+          </a:lnRef>
+          <a:fillRef idx="1">
+            <a:schemeClr val="accent1"/>
+          </a:fillRef>
+          <a:effectRef idx="0">
+            <a:schemeClr val="accent1"/>
+          </a:effectRef>
+          <a:fontRef idx="minor">
+            <a:schemeClr val="lt1"/>
+          </a:fontRef>
+        </p:style>
+        <p:txBody>
+          <a:bodyPr wrap="none" rtlCol="0" anchor="ctr"/>
+          <a:lstStyle/>
+          <a:p>
+            <a:pPr algn="ctr"/>
+            <a:r>
+              <a:rPr kumimoji="1" lang="en-US" altLang="ja-JP">
+                <a:solidFill>
+                  <a:schemeClr val="accent1"/>
+                </a:solidFill>
+              </a:rPr>
+              <a:t>w1</a:t>
+            </a:r>
+            <a:endParaRPr kumimoji="1" lang="ja-JP" altLang="en-US">
+              <a:solidFill>
+                <a:schemeClr val="accent1"/>
+              </a:solidFill>
+            </a:endParaRPr>
+          </a:p>
+        </p:txBody>
+      </p:sp>
+      <p:cxnSp>
+        <p:nvCxnSpPr>
+          <p:cNvPr id="100" name="直線コネクタ 99">
+            <a:extLst>
+              <a:ext uri="{FF2B5EF4-FFF2-40B4-BE49-F238E27FC236}">
+                <a16:creationId xmlns:a16="http://schemas.microsoft.com/office/drawing/2014/main" id="{E211DD17-B3C6-419C-B552-7952C662A96E}"/>
+              </a:ext>
+            </a:extLst>
+          </p:cNvPr>
+          <p:cNvCxnSpPr>
+            <a:cxnSpLocks/>
+          </p:cNvCxnSpPr>
+          <p:nvPr/>
+        </p:nvCxnSpPr>
+        <p:spPr>
+          <a:xfrm>
+            <a:off x="2059414" y="5968542"/>
+            <a:ext cx="684807" cy="274763"/>
+          </a:xfrm>
+          <a:prstGeom prst="line">
+            <a:avLst/>
+          </a:prstGeom>
+        </p:spPr>
+        <p:style>
+          <a:lnRef idx="1">
+            <a:schemeClr val="accent1"/>
+          </a:lnRef>
+          <a:fillRef idx="0">
+            <a:schemeClr val="accent1"/>
+          </a:fillRef>
+          <a:effectRef idx="0">
+            <a:schemeClr val="accent1"/>
+          </a:effectRef>
+          <a:fontRef idx="minor">
+            <a:schemeClr val="tx1"/>
+          </a:fontRef>
+        </p:style>
+      </p:cxnSp>
+      <p:sp>
+        <p:nvSpPr>
+          <p:cNvPr id="101" name="四角形: 角を丸くする 100">
+            <a:extLst>
+              <a:ext uri="{FF2B5EF4-FFF2-40B4-BE49-F238E27FC236}">
+                <a16:creationId xmlns:a16="http://schemas.microsoft.com/office/drawing/2014/main" id="{1986FFB7-E101-40FD-8412-9FAC18538EBD}"/>
+              </a:ext>
+            </a:extLst>
+          </p:cNvPr>
+          <p:cNvSpPr/>
+          <p:nvPr/>
+        </p:nvSpPr>
+        <p:spPr>
+          <a:xfrm>
+            <a:off x="4958601" y="5139848"/>
+            <a:ext cx="1082539" cy="948993"/>
+          </a:xfrm>
+          <a:prstGeom prst="roundRect">
+            <a:avLst/>
+          </a:prstGeom>
+          <a:noFill/>
+        </p:spPr>
+        <p:style>
+          <a:lnRef idx="2">
+            <a:schemeClr val="accent4">
+              <a:shade val="50000"/>
+            </a:schemeClr>
+          </a:lnRef>
+          <a:fillRef idx="1">
+            <a:schemeClr val="accent4"/>
+          </a:fillRef>
+          <a:effectRef idx="0">
+            <a:schemeClr val="accent4"/>
+          </a:effectRef>
+          <a:fontRef idx="minor">
+            <a:schemeClr val="lt1"/>
+          </a:fontRef>
+        </p:style>
+        <p:txBody>
+          <a:bodyPr rtlCol="0" anchor="t" anchorCtr="0"/>
+          <a:lstStyle/>
+          <a:p>
+            <a:pPr algn="ctr"/>
+            <a:r>
+              <a:rPr kumimoji="1" lang="en-US" altLang="ja-JP" sz="1100" b="1" u="sng">
+                <a:solidFill>
+                  <a:schemeClr val="accent4">
+                    <a:lumMod val="75000"/>
+                  </a:schemeClr>
+                </a:solidFill>
+              </a:rPr>
+              <a:t>X</a:t>
+            </a:r>
+          </a:p>
+        </p:txBody>
+      </p:sp>
+      <p:sp>
+        <p:nvSpPr>
+          <p:cNvPr id="102" name="正方形/長方形 101">
+            <a:extLst>
+              <a:ext uri="{FF2B5EF4-FFF2-40B4-BE49-F238E27FC236}">
+                <a16:creationId xmlns:a16="http://schemas.microsoft.com/office/drawing/2014/main" id="{A11557F2-565D-4C8F-88F4-4D7FF2098885}"/>
+              </a:ext>
+            </a:extLst>
+          </p:cNvPr>
+          <p:cNvSpPr/>
+          <p:nvPr/>
+        </p:nvSpPr>
+        <p:spPr>
+          <a:xfrm>
+            <a:off x="5156871" y="5492473"/>
+            <a:ext cx="299720" cy="249487"/>
+          </a:xfrm>
+          <a:prstGeom prst="rect">
+            <a:avLst/>
+          </a:prstGeom>
+          <a:noFill/>
+          <a:ln w="28575">
+            <a:solidFill>
+              <a:srgbClr val="FF0000"/>
+            </a:solidFill>
+          </a:ln>
+        </p:spPr>
+        <p:style>
+          <a:lnRef idx="2">
+            <a:schemeClr val="accent1">
+              <a:shade val="50000"/>
+            </a:schemeClr>
+          </a:lnRef>
+          <a:fillRef idx="1">
+            <a:schemeClr val="accent1"/>
+          </a:fillRef>
+          <a:effectRef idx="0">
+            <a:schemeClr val="accent1"/>
+          </a:effectRef>
+          <a:fontRef idx="minor">
+            <a:schemeClr val="lt1"/>
+          </a:fontRef>
+        </p:style>
+        <p:txBody>
+          <a:bodyPr rtlCol="0" anchor="t" anchorCtr="0"/>
+          <a:lstStyle/>
+          <a:p>
+            <a:pPr algn="ctr"/>
+            <a:r>
+              <a:rPr lang="en-US" altLang="ja-JP" sz="1400">
+                <a:solidFill>
+                  <a:srgbClr val="FF0000"/>
+                </a:solidFill>
+              </a:rPr>
+              <a:t>A</a:t>
+            </a:r>
+            <a:endParaRPr kumimoji="1" lang="ja-JP" altLang="en-US" sz="1400">
+              <a:solidFill>
+                <a:srgbClr val="FF0000"/>
+              </a:solidFill>
+            </a:endParaRPr>
+          </a:p>
+        </p:txBody>
+      </p:sp>
+      <p:sp>
+        <p:nvSpPr>
+          <p:cNvPr id="103" name="正方形/長方形 102">
+            <a:extLst>
+              <a:ext uri="{FF2B5EF4-FFF2-40B4-BE49-F238E27FC236}">
+                <a16:creationId xmlns:a16="http://schemas.microsoft.com/office/drawing/2014/main" id="{10B33117-DB60-4193-9D40-F944F977719E}"/>
+              </a:ext>
+            </a:extLst>
+          </p:cNvPr>
+          <p:cNvSpPr/>
+          <p:nvPr/>
+        </p:nvSpPr>
+        <p:spPr>
+          <a:xfrm>
+            <a:off x="5571213" y="5494854"/>
+            <a:ext cx="299720" cy="249487"/>
+          </a:xfrm>
+          <a:prstGeom prst="rect">
+            <a:avLst/>
+          </a:prstGeom>
+          <a:noFill/>
+          <a:ln w="28575">
+            <a:solidFill>
+              <a:srgbClr val="FF0000"/>
+            </a:solidFill>
+          </a:ln>
+        </p:spPr>
+        <p:style>
+          <a:lnRef idx="2">
+            <a:schemeClr val="accent1">
+              <a:shade val="50000"/>
+            </a:schemeClr>
+          </a:lnRef>
+          <a:fillRef idx="1">
+            <a:schemeClr val="accent1"/>
+          </a:fillRef>
+          <a:effectRef idx="0">
+            <a:schemeClr val="accent1"/>
+          </a:effectRef>
+          <a:fontRef idx="minor">
+            <a:schemeClr val="lt1"/>
+          </a:fontRef>
+        </p:style>
+        <p:txBody>
+          <a:bodyPr rtlCol="0" anchor="t" anchorCtr="0"/>
+          <a:lstStyle/>
+          <a:p>
+            <a:pPr algn="ctr"/>
+            <a:r>
+              <a:rPr lang="en-US" altLang="ja-JP" sz="1400">
+                <a:solidFill>
+                  <a:srgbClr val="FF0000"/>
+                </a:solidFill>
+              </a:rPr>
+              <a:t>B</a:t>
+            </a:r>
+            <a:endParaRPr kumimoji="1" lang="ja-JP" altLang="en-US" sz="1400">
+              <a:solidFill>
+                <a:srgbClr val="FF0000"/>
+              </a:solidFill>
+            </a:endParaRPr>
+          </a:p>
+        </p:txBody>
+      </p:sp>
+      <p:cxnSp>
+        <p:nvCxnSpPr>
+          <p:cNvPr id="104" name="直線矢印コネクタ 103">
+            <a:extLst>
+              <a:ext uri="{FF2B5EF4-FFF2-40B4-BE49-F238E27FC236}">
+                <a16:creationId xmlns:a16="http://schemas.microsoft.com/office/drawing/2014/main" id="{D29DC921-1760-41E3-9D62-2D21F1B86249}"/>
+              </a:ext>
+            </a:extLst>
+          </p:cNvPr>
+          <p:cNvCxnSpPr>
+            <a:cxnSpLocks/>
+            <a:stCxn id="102" idx="3"/>
+            <a:endCxn id="103" idx="1"/>
+          </p:cNvCxnSpPr>
+          <p:nvPr/>
+        </p:nvCxnSpPr>
+        <p:spPr>
+          <a:xfrm>
+            <a:off x="5456591" y="5617217"/>
+            <a:ext cx="114622" cy="2381"/>
+          </a:xfrm>
+          <a:prstGeom prst="straightConnector1">
+            <a:avLst/>
+          </a:prstGeom>
+          <a:ln w="9525">
+            <a:solidFill>
+              <a:srgbClr val="FF0000"/>
+            </a:solidFill>
+            <a:headEnd type="none" w="med" len="med"/>
+            <a:tailEnd type="arrow" w="sm" len="sm"/>
+          </a:ln>
+        </p:spPr>
+        <p:style>
+          <a:lnRef idx="1">
+            <a:schemeClr val="accent1"/>
+          </a:lnRef>
+          <a:fillRef idx="0">
+            <a:schemeClr val="accent1"/>
+          </a:fillRef>
+          <a:effectRef idx="0">
+            <a:schemeClr val="accent1"/>
+          </a:effectRef>
+          <a:fontRef idx="minor">
+            <a:schemeClr val="tx1"/>
+          </a:fontRef>
+        </p:style>
+      </p:cxnSp>
+      <p:sp>
+        <p:nvSpPr>
+          <p:cNvPr id="105" name="正方形/長方形 104">
+            <a:extLst>
+              <a:ext uri="{FF2B5EF4-FFF2-40B4-BE49-F238E27FC236}">
+                <a16:creationId xmlns:a16="http://schemas.microsoft.com/office/drawing/2014/main" id="{D97C8E84-D9BD-4FE1-81CC-B5C094ECC28B}"/>
+              </a:ext>
+            </a:extLst>
+          </p:cNvPr>
+          <p:cNvSpPr/>
+          <p:nvPr/>
+        </p:nvSpPr>
+        <p:spPr>
+          <a:xfrm>
+            <a:off x="5081243" y="5855284"/>
+            <a:ext cx="862342" cy="152335"/>
+          </a:xfrm>
+          <a:prstGeom prst="rect">
+            <a:avLst/>
+          </a:prstGeom>
+          <a:noFill/>
+          <a:ln>
+            <a:solidFill>
+              <a:srgbClr val="00B050"/>
+            </a:solidFill>
+            <a:prstDash val="dash"/>
+          </a:ln>
+        </p:spPr>
+        <p:style>
+          <a:lnRef idx="2">
+            <a:schemeClr val="accent1">
+              <a:shade val="50000"/>
+            </a:schemeClr>
+          </a:lnRef>
+          <a:fillRef idx="1">
+            <a:schemeClr val="accent1"/>
+          </a:fillRef>
+          <a:effectRef idx="0">
+            <a:schemeClr val="accent1"/>
+          </a:effectRef>
+          <a:fontRef idx="minor">
+            <a:schemeClr val="lt1"/>
+          </a:fontRef>
+        </p:style>
+        <p:txBody>
+          <a:bodyPr rtlCol="0" anchor="ctr"/>
+          <a:lstStyle/>
+          <a:p>
+            <a:pPr algn="ctr"/>
+            <a:endParaRPr kumimoji="1" lang="ja-JP" altLang="en-US"/>
+          </a:p>
+        </p:txBody>
+      </p:sp>
+    </p:spTree>
+    <p:extLst>
+      <p:ext uri="{BB962C8B-B14F-4D97-AF65-F5344CB8AC3E}">
+        <p14:creationId xmlns:p14="http://schemas.microsoft.com/office/powerpoint/2010/main" val="2830925591"/>
+      </p:ext>
+    </p:extLst>
+  </p:cSld>
+  <p:clrMapOvr>
+    <a:masterClrMapping/>
+  </p:clrMapOvr>
+</p:sld>
+</file>
+
+<file path=ppt/slides/slide2.xml><?xml version="1.0" encoding="utf-8"?>
+<p:sld xmlns:a="http://schemas.openxmlformats.org/drawingml/2006/main" xmlns:r="http://schemas.openxmlformats.org/officeDocument/2006/relationships" xmlns:p="http://schemas.openxmlformats.org/presentationml/2006/main">
+  <p:cSld>
+    <p:spTree>
+      <p:nvGrpSpPr>
+        <p:cNvPr id="1" name=""/>
+        <p:cNvGrpSpPr/>
+        <p:nvPr/>
+      </p:nvGrpSpPr>
+      <p:grpSpPr>
+        <a:xfrm>
+          <a:off x="0" y="0"/>
+          <a:ext cx="0" cy="0"/>
+          <a:chOff x="0" y="0"/>
+          <a:chExt cx="0" cy="0"/>
+        </a:xfrm>
+      </p:grpSpPr>
+      <p:sp>
+        <p:nvSpPr>
           <p:cNvPr id="32" name="四角形: 角を丸くする 31">
             <a:extLst>
               <a:ext uri="{FF2B5EF4-FFF2-40B4-BE49-F238E27FC236}">
